--- a/Weekly Submissions/Week5/Presentation Week 5.pptx
+++ b/Weekly Submissions/Week5/Presentation Week 5.pptx
@@ -19,8 +19,8 @@
     <p:sldId id="292" r:id="rId10"/>
     <p:sldId id="294" r:id="rId11"/>
     <p:sldId id="295" r:id="rId12"/>
-    <p:sldId id="296" r:id="rId13"/>
-    <p:sldId id="297" r:id="rId14"/>
+    <p:sldId id="297" r:id="rId13"/>
+    <p:sldId id="296" r:id="rId14"/>
     <p:sldId id="285" r:id="rId15"/>
     <p:sldId id="264" r:id="rId16"/>
   </p:sldIdLst>
@@ -141,6 +141,927 @@
 </file>
 
 <file path=ppt/diagrams/colors1.xml><?xml version="1.0" encoding="utf-8"?>
+<dgm:colorsDef xmlns:dgm="http://schemas.openxmlformats.org/drawingml/2006/diagram" xmlns:a="http://schemas.openxmlformats.org/drawingml/2006/main" uniqueId="urn:microsoft.com/office/officeart/2018/5/colors/Iconchunking_neutralbg_colorful1">
+  <dgm:title val=""/>
+  <dgm:desc val=""/>
+  <dgm:catLst>
+    <dgm:cat type="colorful" pri="10100"/>
+  </dgm:catLst>
+  <dgm:styleLbl name="node0">
+    <dgm:fillClrLst meth="repeat">
+      <a:schemeClr val="accent1"/>
+    </dgm:fillClrLst>
+    <dgm:linClrLst meth="repeat">
+      <a:schemeClr val="lt1"/>
+    </dgm:linClrLst>
+    <dgm:effectClrLst/>
+    <dgm:txLinClrLst/>
+    <dgm:txFillClrLst/>
+    <dgm:txEffectClrLst/>
+  </dgm:styleLbl>
+  <dgm:styleLbl name="node1">
+    <dgm:fillClrLst meth="repeat">
+      <a:schemeClr val="accent2"/>
+      <a:schemeClr val="accent3"/>
+      <a:schemeClr val="accent4"/>
+      <a:schemeClr val="accent5"/>
+      <a:schemeClr val="accent6"/>
+    </dgm:fillClrLst>
+    <dgm:linClrLst meth="repeat">
+      <a:schemeClr val="lt1">
+        <a:alpha val="0"/>
+      </a:schemeClr>
+    </dgm:linClrLst>
+    <dgm:effectClrLst/>
+    <dgm:txLinClrLst/>
+    <dgm:txFillClrLst/>
+    <dgm:txEffectClrLst/>
+  </dgm:styleLbl>
+  <dgm:styleLbl name="alignNode1">
+    <dgm:fillClrLst meth="repeat">
+      <a:schemeClr val="accent2"/>
+      <a:schemeClr val="accent3"/>
+      <a:schemeClr val="accent4"/>
+      <a:schemeClr val="accent5"/>
+      <a:schemeClr val="accent6"/>
+    </dgm:fillClrLst>
+    <dgm:linClrLst meth="repeat">
+      <a:schemeClr val="accent2"/>
+      <a:schemeClr val="accent3"/>
+      <a:schemeClr val="accent4"/>
+      <a:schemeClr val="accent5"/>
+      <a:schemeClr val="accent6"/>
+    </dgm:linClrLst>
+    <dgm:effectClrLst/>
+    <dgm:txLinClrLst/>
+    <dgm:txFillClrLst/>
+    <dgm:txEffectClrLst/>
+  </dgm:styleLbl>
+  <dgm:styleLbl name="lnNode1">
+    <dgm:fillClrLst meth="repeat">
+      <a:schemeClr val="accent2"/>
+      <a:schemeClr val="accent3"/>
+      <a:schemeClr val="accent4"/>
+      <a:schemeClr val="accent5"/>
+      <a:schemeClr val="accent6"/>
+    </dgm:fillClrLst>
+    <dgm:linClrLst meth="repeat">
+      <a:schemeClr val="lt1"/>
+    </dgm:linClrLst>
+    <dgm:effectClrLst/>
+    <dgm:txLinClrLst/>
+    <dgm:txFillClrLst/>
+    <dgm:txEffectClrLst/>
+  </dgm:styleLbl>
+  <dgm:styleLbl name="vennNode1">
+    <dgm:fillClrLst meth="repeat">
+      <a:schemeClr val="accent2">
+        <a:alpha val="50000"/>
+      </a:schemeClr>
+      <a:schemeClr val="accent3">
+        <a:alpha val="50000"/>
+      </a:schemeClr>
+      <a:schemeClr val="accent4">
+        <a:alpha val="50000"/>
+      </a:schemeClr>
+      <a:schemeClr val="accent5">
+        <a:alpha val="50000"/>
+      </a:schemeClr>
+      <a:schemeClr val="accent6">
+        <a:alpha val="50000"/>
+      </a:schemeClr>
+    </dgm:fillClrLst>
+    <dgm:linClrLst meth="repeat">
+      <a:schemeClr val="lt1"/>
+    </dgm:linClrLst>
+    <dgm:effectClrLst/>
+    <dgm:txLinClrLst/>
+    <dgm:txFillClrLst/>
+    <dgm:txEffectClrLst/>
+  </dgm:styleLbl>
+  <dgm:styleLbl name="node2">
+    <dgm:fillClrLst>
+      <a:schemeClr val="accent2"/>
+    </dgm:fillClrLst>
+    <dgm:linClrLst meth="repeat">
+      <a:schemeClr val="lt1"/>
+    </dgm:linClrLst>
+    <dgm:effectClrLst/>
+    <dgm:txLinClrLst/>
+    <dgm:txFillClrLst/>
+    <dgm:txEffectClrLst/>
+  </dgm:styleLbl>
+  <dgm:styleLbl name="node3">
+    <dgm:fillClrLst>
+      <a:schemeClr val="accent3"/>
+    </dgm:fillClrLst>
+    <dgm:linClrLst meth="repeat">
+      <a:schemeClr val="lt1"/>
+    </dgm:linClrLst>
+    <dgm:effectClrLst/>
+    <dgm:txLinClrLst/>
+    <dgm:txFillClrLst/>
+    <dgm:txEffectClrLst/>
+  </dgm:styleLbl>
+  <dgm:styleLbl name="node4">
+    <dgm:fillClrLst>
+      <a:schemeClr val="accent4"/>
+    </dgm:fillClrLst>
+    <dgm:linClrLst meth="repeat">
+      <a:schemeClr val="lt1"/>
+    </dgm:linClrLst>
+    <dgm:effectClrLst/>
+    <dgm:txLinClrLst/>
+    <dgm:txFillClrLst/>
+    <dgm:txEffectClrLst/>
+  </dgm:styleLbl>
+  <dgm:styleLbl name="fgImgPlace1">
+    <dgm:fillClrLst meth="repeat">
+      <a:schemeClr val="accent2">
+        <a:tint val="50000"/>
+      </a:schemeClr>
+      <a:schemeClr val="accent3">
+        <a:tint val="50000"/>
+      </a:schemeClr>
+      <a:schemeClr val="accent4">
+        <a:tint val="50000"/>
+      </a:schemeClr>
+      <a:schemeClr val="accent5">
+        <a:tint val="50000"/>
+      </a:schemeClr>
+      <a:schemeClr val="accent6">
+        <a:tint val="50000"/>
+      </a:schemeClr>
+    </dgm:fillClrLst>
+    <dgm:linClrLst meth="repeat">
+      <a:schemeClr val="lt1"/>
+    </dgm:linClrLst>
+    <dgm:effectClrLst/>
+    <dgm:txLinClrLst/>
+    <dgm:txFillClrLst meth="repeat">
+      <a:schemeClr val="lt1"/>
+    </dgm:txFillClrLst>
+    <dgm:txEffectClrLst/>
+  </dgm:styleLbl>
+  <dgm:styleLbl name="alignImgPlace1">
+    <dgm:fillClrLst>
+      <a:schemeClr val="accent1">
+        <a:tint val="50000"/>
+      </a:schemeClr>
+      <a:schemeClr val="accent2">
+        <a:tint val="20000"/>
+      </a:schemeClr>
+    </dgm:fillClrLst>
+    <dgm:linClrLst meth="repeat">
+      <a:schemeClr val="lt1"/>
+    </dgm:linClrLst>
+    <dgm:effectClrLst/>
+    <dgm:txLinClrLst/>
+    <dgm:txFillClrLst meth="repeat">
+      <a:schemeClr val="lt1"/>
+    </dgm:txFillClrLst>
+    <dgm:txEffectClrLst/>
+  </dgm:styleLbl>
+  <dgm:styleLbl name="bgImgPlace1">
+    <dgm:fillClrLst>
+      <a:schemeClr val="accent1">
+        <a:tint val="50000"/>
+      </a:schemeClr>
+      <a:schemeClr val="accent2">
+        <a:tint val="20000"/>
+      </a:schemeClr>
+    </dgm:fillClrLst>
+    <dgm:linClrLst meth="repeat">
+      <a:schemeClr val="lt1"/>
+    </dgm:linClrLst>
+    <dgm:effectClrLst/>
+    <dgm:txLinClrLst/>
+    <dgm:txFillClrLst meth="repeat">
+      <a:schemeClr val="lt1"/>
+    </dgm:txFillClrLst>
+    <dgm:txEffectClrLst/>
+  </dgm:styleLbl>
+  <dgm:styleLbl name="sibTrans2D1">
+    <dgm:fillClrLst meth="repeat">
+      <a:schemeClr val="accent2"/>
+      <a:schemeClr val="accent3"/>
+      <a:schemeClr val="accent4"/>
+      <a:schemeClr val="accent5"/>
+      <a:schemeClr val="accent6"/>
+    </dgm:fillClrLst>
+    <dgm:linClrLst meth="cycle">
+      <a:schemeClr val="lt1"/>
+    </dgm:linClrLst>
+    <dgm:effectClrLst/>
+    <dgm:txLinClrLst/>
+    <dgm:txFillClrLst/>
+    <dgm:txEffectClrLst/>
+  </dgm:styleLbl>
+  <dgm:styleLbl name="fgSibTrans2D1">
+    <dgm:fillClrLst meth="repeat">
+      <a:schemeClr val="accent2"/>
+      <a:schemeClr val="accent3"/>
+      <a:schemeClr val="accent4"/>
+      <a:schemeClr val="accent5"/>
+      <a:schemeClr val="accent6"/>
+    </dgm:fillClrLst>
+    <dgm:linClrLst meth="cycle">
+      <a:schemeClr val="lt1"/>
+    </dgm:linClrLst>
+    <dgm:effectClrLst/>
+    <dgm:txLinClrLst/>
+    <dgm:txFillClrLst meth="repeat">
+      <a:schemeClr val="lt1"/>
+    </dgm:txFillClrLst>
+    <dgm:txEffectClrLst/>
+  </dgm:styleLbl>
+  <dgm:styleLbl name="bgSibTrans2D1">
+    <dgm:fillClrLst meth="repeat">
+      <a:schemeClr val="accent2"/>
+      <a:schemeClr val="accent3"/>
+      <a:schemeClr val="accent4"/>
+      <a:schemeClr val="accent5"/>
+      <a:schemeClr val="accent6"/>
+    </dgm:fillClrLst>
+    <dgm:linClrLst meth="cycle">
+      <a:schemeClr val="lt1"/>
+    </dgm:linClrLst>
+    <dgm:effectClrLst/>
+    <dgm:txLinClrLst/>
+    <dgm:txFillClrLst meth="repeat">
+      <a:schemeClr val="lt1"/>
+    </dgm:txFillClrLst>
+    <dgm:txEffectClrLst/>
+  </dgm:styleLbl>
+  <dgm:styleLbl name="sibTrans1D1">
+    <dgm:fillClrLst meth="repeat">
+      <a:schemeClr val="accent2"/>
+      <a:schemeClr val="accent3"/>
+      <a:schemeClr val="accent4"/>
+      <a:schemeClr val="accent5"/>
+      <a:schemeClr val="accent6"/>
+    </dgm:fillClrLst>
+    <dgm:linClrLst meth="repeat">
+      <a:schemeClr val="accent2"/>
+      <a:schemeClr val="accent3"/>
+      <a:schemeClr val="accent4"/>
+      <a:schemeClr val="accent5"/>
+      <a:schemeClr val="accent6"/>
+    </dgm:linClrLst>
+    <dgm:effectClrLst/>
+    <dgm:txLinClrLst/>
+    <dgm:txFillClrLst meth="repeat">
+      <a:schemeClr val="tx1"/>
+    </dgm:txFillClrLst>
+    <dgm:txEffectClrLst/>
+  </dgm:styleLbl>
+  <dgm:styleLbl name="callout">
+    <dgm:fillClrLst meth="repeat">
+      <a:schemeClr val="accent2"/>
+    </dgm:fillClrLst>
+    <dgm:linClrLst meth="repeat">
+      <a:schemeClr val="accent2">
+        <a:tint val="50000"/>
+      </a:schemeClr>
+    </dgm:linClrLst>
+    <dgm:effectClrLst/>
+    <dgm:txLinClrLst/>
+    <dgm:txFillClrLst meth="repeat">
+      <a:schemeClr val="tx1"/>
+    </dgm:txFillClrLst>
+    <dgm:txEffectClrLst/>
+  </dgm:styleLbl>
+  <dgm:styleLbl name="asst0">
+    <dgm:fillClrLst meth="repeat">
+      <a:schemeClr val="accent1"/>
+    </dgm:fillClrLst>
+    <dgm:linClrLst meth="repeat">
+      <a:schemeClr val="lt1"/>
+    </dgm:linClrLst>
+    <dgm:effectClrLst/>
+    <dgm:txLinClrLst/>
+    <dgm:txFillClrLst/>
+    <dgm:txEffectClrLst/>
+  </dgm:styleLbl>
+  <dgm:styleLbl name="asst1">
+    <dgm:fillClrLst meth="repeat">
+      <a:schemeClr val="accent2"/>
+    </dgm:fillClrLst>
+    <dgm:linClrLst meth="repeat">
+      <a:schemeClr val="lt1"/>
+    </dgm:linClrLst>
+    <dgm:effectClrLst/>
+    <dgm:txLinClrLst/>
+    <dgm:txFillClrLst/>
+    <dgm:txEffectClrLst/>
+  </dgm:styleLbl>
+  <dgm:styleLbl name="asst2">
+    <dgm:fillClrLst>
+      <a:schemeClr val="accent3"/>
+    </dgm:fillClrLst>
+    <dgm:linClrLst meth="repeat">
+      <a:schemeClr val="lt1"/>
+    </dgm:linClrLst>
+    <dgm:effectClrLst/>
+    <dgm:txLinClrLst/>
+    <dgm:txFillClrLst/>
+    <dgm:txEffectClrLst/>
+  </dgm:styleLbl>
+  <dgm:styleLbl name="asst3">
+    <dgm:fillClrLst>
+      <a:schemeClr val="accent4"/>
+    </dgm:fillClrLst>
+    <dgm:linClrLst meth="repeat">
+      <a:schemeClr val="lt1"/>
+    </dgm:linClrLst>
+    <dgm:effectClrLst/>
+    <dgm:txLinClrLst/>
+    <dgm:txFillClrLst/>
+    <dgm:txEffectClrLst/>
+  </dgm:styleLbl>
+  <dgm:styleLbl name="asst4">
+    <dgm:fillClrLst>
+      <a:schemeClr val="accent5"/>
+    </dgm:fillClrLst>
+    <dgm:linClrLst meth="repeat">
+      <a:schemeClr val="lt1"/>
+    </dgm:linClrLst>
+    <dgm:effectClrLst/>
+    <dgm:txLinClrLst/>
+    <dgm:txFillClrLst/>
+    <dgm:txEffectClrLst/>
+  </dgm:styleLbl>
+  <dgm:styleLbl name="parChTrans2D1">
+    <dgm:fillClrLst meth="repeat">
+      <a:schemeClr val="accent2"/>
+    </dgm:fillClrLst>
+    <dgm:linClrLst meth="repeat">
+      <a:schemeClr val="lt1"/>
+    </dgm:linClrLst>
+    <dgm:effectClrLst/>
+    <dgm:txLinClrLst/>
+    <dgm:txFillClrLst meth="repeat">
+      <a:schemeClr val="lt1"/>
+    </dgm:txFillClrLst>
+    <dgm:txEffectClrLst/>
+  </dgm:styleLbl>
+  <dgm:styleLbl name="parChTrans2D2">
+    <dgm:fillClrLst meth="repeat">
+      <a:schemeClr val="accent3"/>
+    </dgm:fillClrLst>
+    <dgm:linClrLst meth="repeat">
+      <a:schemeClr val="lt1"/>
+    </dgm:linClrLst>
+    <dgm:effectClrLst/>
+    <dgm:txLinClrLst/>
+    <dgm:txFillClrLst/>
+    <dgm:txEffectClrLst/>
+  </dgm:styleLbl>
+  <dgm:styleLbl name="parChTrans2D3">
+    <dgm:fillClrLst meth="repeat">
+      <a:schemeClr val="accent4"/>
+    </dgm:fillClrLst>
+    <dgm:linClrLst meth="repeat">
+      <a:schemeClr val="lt1"/>
+    </dgm:linClrLst>
+    <dgm:effectClrLst/>
+    <dgm:txLinClrLst/>
+    <dgm:txFillClrLst/>
+    <dgm:txEffectClrLst/>
+  </dgm:styleLbl>
+  <dgm:styleLbl name="parChTrans2D4">
+    <dgm:fillClrLst meth="repeat">
+      <a:schemeClr val="accent5"/>
+    </dgm:fillClrLst>
+    <dgm:linClrLst meth="repeat">
+      <a:schemeClr val="lt1"/>
+    </dgm:linClrLst>
+    <dgm:effectClrLst/>
+    <dgm:txLinClrLst/>
+    <dgm:txFillClrLst meth="repeat">
+      <a:schemeClr val="lt1"/>
+    </dgm:txFillClrLst>
+    <dgm:txEffectClrLst/>
+  </dgm:styleLbl>
+  <dgm:styleLbl name="parChTrans1D1">
+    <dgm:fillClrLst meth="repeat">
+      <a:schemeClr val="accent2"/>
+    </dgm:fillClrLst>
+    <dgm:linClrLst meth="repeat">
+      <a:schemeClr val="accent1"/>
+    </dgm:linClrLst>
+    <dgm:effectClrLst/>
+    <dgm:txLinClrLst/>
+    <dgm:txFillClrLst meth="repeat">
+      <a:schemeClr val="tx1"/>
+    </dgm:txFillClrLst>
+    <dgm:txEffectClrLst/>
+  </dgm:styleLbl>
+  <dgm:styleLbl name="parChTrans1D2">
+    <dgm:fillClrLst meth="repeat">
+      <a:schemeClr val="accent3">
+        <a:tint val="90000"/>
+      </a:schemeClr>
+    </dgm:fillClrLst>
+    <dgm:linClrLst meth="repeat">
+      <a:schemeClr val="accent2"/>
+    </dgm:linClrLst>
+    <dgm:effectClrLst/>
+    <dgm:txLinClrLst/>
+    <dgm:txFillClrLst meth="repeat">
+      <a:schemeClr val="tx1"/>
+    </dgm:txFillClrLst>
+    <dgm:txEffectClrLst/>
+  </dgm:styleLbl>
+  <dgm:styleLbl name="parChTrans1D3">
+    <dgm:fillClrLst meth="repeat">
+      <a:schemeClr val="accent4">
+        <a:tint val="70000"/>
+      </a:schemeClr>
+    </dgm:fillClrLst>
+    <dgm:linClrLst meth="repeat">
+      <a:schemeClr val="accent3"/>
+    </dgm:linClrLst>
+    <dgm:effectClrLst/>
+    <dgm:txLinClrLst/>
+    <dgm:txFillClrLst meth="repeat">
+      <a:schemeClr val="tx1"/>
+    </dgm:txFillClrLst>
+    <dgm:txEffectClrLst/>
+  </dgm:styleLbl>
+  <dgm:styleLbl name="parChTrans1D4">
+    <dgm:fillClrLst meth="repeat">
+      <a:schemeClr val="accent5">
+        <a:tint val="50000"/>
+      </a:schemeClr>
+    </dgm:fillClrLst>
+    <dgm:linClrLst meth="repeat">
+      <a:schemeClr val="accent4"/>
+    </dgm:linClrLst>
+    <dgm:effectClrLst/>
+    <dgm:txLinClrLst/>
+    <dgm:txFillClrLst meth="repeat">
+      <a:schemeClr val="tx1"/>
+    </dgm:txFillClrLst>
+    <dgm:txEffectClrLst/>
+  </dgm:styleLbl>
+  <dgm:styleLbl name="fgAcc1">
+    <dgm:fillClrLst meth="repeat">
+      <a:schemeClr val="lt1">
+        <a:alpha val="90000"/>
+      </a:schemeClr>
+    </dgm:fillClrLst>
+    <dgm:linClrLst meth="repeat">
+      <a:schemeClr val="accent2"/>
+      <a:schemeClr val="accent3"/>
+      <a:schemeClr val="accent4"/>
+      <a:schemeClr val="accent5"/>
+      <a:schemeClr val="accent6"/>
+    </dgm:linClrLst>
+    <dgm:effectClrLst/>
+    <dgm:txLinClrLst/>
+    <dgm:txFillClrLst meth="repeat">
+      <a:schemeClr val="dk1"/>
+    </dgm:txFillClrLst>
+    <dgm:txEffectClrLst/>
+  </dgm:styleLbl>
+  <dgm:styleLbl name="conFgAcc1">
+    <dgm:fillClrLst meth="repeat">
+      <a:schemeClr val="lt1">
+        <a:alpha val="90000"/>
+      </a:schemeClr>
+    </dgm:fillClrLst>
+    <dgm:linClrLst meth="repeat">
+      <a:schemeClr val="accent2"/>
+      <a:schemeClr val="accent3"/>
+      <a:schemeClr val="accent4"/>
+      <a:schemeClr val="accent5"/>
+      <a:schemeClr val="accent6"/>
+    </dgm:linClrLst>
+    <dgm:effectClrLst/>
+    <dgm:txLinClrLst/>
+    <dgm:txFillClrLst meth="repeat">
+      <a:schemeClr val="dk1"/>
+    </dgm:txFillClrLst>
+    <dgm:txEffectClrLst/>
+  </dgm:styleLbl>
+  <dgm:styleLbl name="alignAcc1">
+    <dgm:fillClrLst meth="repeat">
+      <a:schemeClr val="lt1">
+        <a:alpha val="90000"/>
+      </a:schemeClr>
+    </dgm:fillClrLst>
+    <dgm:linClrLst meth="repeat">
+      <a:schemeClr val="accent2"/>
+      <a:schemeClr val="accent3"/>
+      <a:schemeClr val="accent4"/>
+      <a:schemeClr val="accent5"/>
+      <a:schemeClr val="accent6"/>
+    </dgm:linClrLst>
+    <dgm:effectClrLst/>
+    <dgm:txLinClrLst/>
+    <dgm:txFillClrLst meth="repeat">
+      <a:schemeClr val="dk1"/>
+    </dgm:txFillClrLst>
+    <dgm:txEffectClrLst/>
+  </dgm:styleLbl>
+  <dgm:styleLbl name="trAlignAcc1">
+    <dgm:fillClrLst meth="repeat">
+      <a:schemeClr val="lt1">
+        <a:alpha val="40000"/>
+      </a:schemeClr>
+    </dgm:fillClrLst>
+    <dgm:linClrLst meth="repeat">
+      <a:schemeClr val="accent1"/>
+    </dgm:linClrLst>
+    <dgm:effectClrLst/>
+    <dgm:txLinClrLst/>
+    <dgm:txFillClrLst meth="repeat">
+      <a:schemeClr val="dk1"/>
+    </dgm:txFillClrLst>
+    <dgm:txEffectClrLst/>
+  </dgm:styleLbl>
+  <dgm:styleLbl name="bgAcc1">
+    <dgm:fillClrLst meth="repeat">
+      <a:schemeClr val="lt1">
+        <a:alpha val="90000"/>
+      </a:schemeClr>
+    </dgm:fillClrLst>
+    <dgm:linClrLst meth="repeat">
+      <a:schemeClr val="accent2"/>
+      <a:schemeClr val="accent3"/>
+      <a:schemeClr val="accent4"/>
+      <a:schemeClr val="accent5"/>
+      <a:schemeClr val="accent6"/>
+    </dgm:linClrLst>
+    <dgm:effectClrLst/>
+    <dgm:txLinClrLst/>
+    <dgm:txFillClrLst meth="repeat">
+      <a:schemeClr val="dk1"/>
+    </dgm:txFillClrLst>
+    <dgm:txEffectClrLst/>
+  </dgm:styleLbl>
+  <dgm:styleLbl name="solidFgAcc1">
+    <dgm:fillClrLst meth="repeat">
+      <a:schemeClr val="lt1"/>
+    </dgm:fillClrLst>
+    <dgm:linClrLst meth="repeat">
+      <a:schemeClr val="accent2"/>
+      <a:schemeClr val="accent3"/>
+      <a:schemeClr val="accent4"/>
+      <a:schemeClr val="accent5"/>
+      <a:schemeClr val="accent6"/>
+    </dgm:linClrLst>
+    <dgm:effectClrLst/>
+    <dgm:txLinClrLst/>
+    <dgm:txFillClrLst meth="repeat">
+      <a:schemeClr val="dk1"/>
+    </dgm:txFillClrLst>
+    <dgm:txEffectClrLst/>
+  </dgm:styleLbl>
+  <dgm:styleLbl name="solidAlignAcc1">
+    <dgm:fillClrLst meth="repeat">
+      <a:schemeClr val="lt1"/>
+    </dgm:fillClrLst>
+    <dgm:linClrLst meth="repeat">
+      <a:schemeClr val="accent2"/>
+      <a:schemeClr val="accent3"/>
+      <a:schemeClr val="accent4"/>
+      <a:schemeClr val="accent5"/>
+      <a:schemeClr val="accent6"/>
+    </dgm:linClrLst>
+    <dgm:effectClrLst/>
+    <dgm:txLinClrLst/>
+    <dgm:txFillClrLst meth="repeat">
+      <a:schemeClr val="dk1"/>
+    </dgm:txFillClrLst>
+    <dgm:txEffectClrLst/>
+  </dgm:styleLbl>
+  <dgm:styleLbl name="solidBgAcc1">
+    <dgm:fillClrLst meth="repeat">
+      <a:schemeClr val="lt1"/>
+    </dgm:fillClrLst>
+    <dgm:linClrLst meth="repeat">
+      <a:schemeClr val="accent2"/>
+      <a:schemeClr val="accent3"/>
+      <a:schemeClr val="accent4"/>
+      <a:schemeClr val="accent5"/>
+      <a:schemeClr val="accent6"/>
+    </dgm:linClrLst>
+    <dgm:effectClrLst/>
+    <dgm:txLinClrLst/>
+    <dgm:txFillClrLst meth="repeat">
+      <a:schemeClr val="dk1"/>
+    </dgm:txFillClrLst>
+    <dgm:txEffectClrLst/>
+  </dgm:styleLbl>
+  <dgm:styleLbl name="fgAccFollowNode1">
+    <dgm:fillClrLst meth="repeat">
+      <a:schemeClr val="accent2">
+        <a:tint val="40000"/>
+        <a:alpha val="90000"/>
+      </a:schemeClr>
+      <a:schemeClr val="accent3">
+        <a:tint val="40000"/>
+        <a:alpha val="90000"/>
+      </a:schemeClr>
+      <a:schemeClr val="accent4">
+        <a:tint val="40000"/>
+        <a:alpha val="90000"/>
+      </a:schemeClr>
+      <a:schemeClr val="accent5">
+        <a:tint val="40000"/>
+        <a:alpha val="90000"/>
+      </a:schemeClr>
+      <a:schemeClr val="accent6">
+        <a:tint val="40000"/>
+        <a:alpha val="90000"/>
+      </a:schemeClr>
+    </dgm:fillClrLst>
+    <dgm:linClrLst meth="repeat">
+      <a:schemeClr val="accent2">
+        <a:tint val="40000"/>
+        <a:alpha val="90000"/>
+      </a:schemeClr>
+      <a:schemeClr val="accent3">
+        <a:tint val="40000"/>
+        <a:alpha val="90000"/>
+      </a:schemeClr>
+      <a:schemeClr val="accent4">
+        <a:tint val="40000"/>
+        <a:alpha val="90000"/>
+      </a:schemeClr>
+      <a:schemeClr val="accent5">
+        <a:tint val="40000"/>
+        <a:alpha val="90000"/>
+      </a:schemeClr>
+      <a:schemeClr val="accent6">
+        <a:tint val="40000"/>
+        <a:alpha val="90000"/>
+      </a:schemeClr>
+    </dgm:linClrLst>
+    <dgm:effectClrLst/>
+    <dgm:txLinClrLst/>
+    <dgm:txFillClrLst meth="repeat">
+      <a:schemeClr val="dk1"/>
+    </dgm:txFillClrLst>
+    <dgm:txEffectClrLst/>
+  </dgm:styleLbl>
+  <dgm:styleLbl name="alignAccFollowNode1">
+    <dgm:fillClrLst meth="repeat">
+      <a:schemeClr val="accent2">
+        <a:tint val="40000"/>
+        <a:alpha val="90000"/>
+      </a:schemeClr>
+      <a:schemeClr val="accent3">
+        <a:tint val="40000"/>
+        <a:alpha val="90000"/>
+      </a:schemeClr>
+      <a:schemeClr val="accent4">
+        <a:tint val="40000"/>
+        <a:alpha val="90000"/>
+      </a:schemeClr>
+      <a:schemeClr val="accent5">
+        <a:tint val="40000"/>
+        <a:alpha val="90000"/>
+      </a:schemeClr>
+      <a:schemeClr val="accent6">
+        <a:tint val="40000"/>
+        <a:alpha val="90000"/>
+      </a:schemeClr>
+    </dgm:fillClrLst>
+    <dgm:linClrLst meth="repeat">
+      <a:schemeClr val="accent2">
+        <a:tint val="40000"/>
+        <a:alpha val="90000"/>
+      </a:schemeClr>
+      <a:schemeClr val="accent3">
+        <a:tint val="40000"/>
+        <a:alpha val="90000"/>
+      </a:schemeClr>
+      <a:schemeClr val="accent4">
+        <a:tint val="40000"/>
+        <a:alpha val="90000"/>
+      </a:schemeClr>
+      <a:schemeClr val="accent5">
+        <a:tint val="40000"/>
+        <a:alpha val="90000"/>
+      </a:schemeClr>
+      <a:schemeClr val="accent6">
+        <a:tint val="40000"/>
+        <a:alpha val="90000"/>
+      </a:schemeClr>
+    </dgm:linClrLst>
+    <dgm:effectClrLst/>
+    <dgm:txLinClrLst/>
+    <dgm:txFillClrLst meth="repeat">
+      <a:schemeClr val="dk1"/>
+    </dgm:txFillClrLst>
+    <dgm:txEffectClrLst/>
+  </dgm:styleLbl>
+  <dgm:styleLbl name="bgAccFollowNode1">
+    <dgm:fillClrLst meth="repeat">
+      <a:schemeClr val="accent2">
+        <a:tint val="40000"/>
+        <a:alpha val="90000"/>
+      </a:schemeClr>
+      <a:schemeClr val="accent3">
+        <a:tint val="40000"/>
+        <a:alpha val="90000"/>
+      </a:schemeClr>
+      <a:schemeClr val="accent4">
+        <a:tint val="40000"/>
+        <a:alpha val="90000"/>
+      </a:schemeClr>
+      <a:schemeClr val="accent5">
+        <a:tint val="40000"/>
+        <a:alpha val="90000"/>
+      </a:schemeClr>
+      <a:schemeClr val="accent6">
+        <a:tint val="40000"/>
+        <a:alpha val="90000"/>
+      </a:schemeClr>
+    </dgm:fillClrLst>
+    <dgm:linClrLst meth="repeat">
+      <a:schemeClr val="accent2">
+        <a:tint val="40000"/>
+        <a:alpha val="90000"/>
+      </a:schemeClr>
+      <a:schemeClr val="accent3">
+        <a:tint val="40000"/>
+        <a:alpha val="90000"/>
+      </a:schemeClr>
+      <a:schemeClr val="accent4">
+        <a:tint val="40000"/>
+        <a:alpha val="90000"/>
+      </a:schemeClr>
+      <a:schemeClr val="accent5">
+        <a:tint val="40000"/>
+        <a:alpha val="90000"/>
+      </a:schemeClr>
+      <a:schemeClr val="accent6">
+        <a:tint val="40000"/>
+        <a:alpha val="90000"/>
+      </a:schemeClr>
+    </dgm:linClrLst>
+    <dgm:effectClrLst/>
+    <dgm:txLinClrLst/>
+    <dgm:txFillClrLst meth="repeat">
+      <a:schemeClr val="dk1"/>
+    </dgm:txFillClrLst>
+    <dgm:txEffectClrLst/>
+  </dgm:styleLbl>
+  <dgm:styleLbl name="fgAcc0">
+    <dgm:fillClrLst meth="repeat">
+      <a:schemeClr val="lt1">
+        <a:alpha val="90000"/>
+      </a:schemeClr>
+    </dgm:fillClrLst>
+    <dgm:linClrLst>
+      <a:schemeClr val="accent1"/>
+    </dgm:linClrLst>
+    <dgm:effectClrLst/>
+    <dgm:txLinClrLst/>
+    <dgm:txFillClrLst meth="repeat">
+      <a:schemeClr val="dk1"/>
+    </dgm:txFillClrLst>
+    <dgm:txEffectClrLst/>
+  </dgm:styleLbl>
+  <dgm:styleLbl name="fgAcc2">
+    <dgm:fillClrLst meth="repeat">
+      <a:schemeClr val="lt1">
+        <a:alpha val="90000"/>
+      </a:schemeClr>
+    </dgm:fillClrLst>
+    <dgm:linClrLst>
+      <a:schemeClr val="accent2"/>
+    </dgm:linClrLst>
+    <dgm:effectClrLst/>
+    <dgm:txLinClrLst/>
+    <dgm:txFillClrLst meth="repeat">
+      <a:schemeClr val="dk1"/>
+    </dgm:txFillClrLst>
+    <dgm:txEffectClrLst/>
+  </dgm:styleLbl>
+  <dgm:styleLbl name="fgAcc3">
+    <dgm:fillClrLst meth="repeat">
+      <a:schemeClr val="lt1">
+        <a:alpha val="90000"/>
+      </a:schemeClr>
+    </dgm:fillClrLst>
+    <dgm:linClrLst>
+      <a:schemeClr val="accent3"/>
+    </dgm:linClrLst>
+    <dgm:effectClrLst/>
+    <dgm:txLinClrLst/>
+    <dgm:txFillClrLst meth="repeat">
+      <a:schemeClr val="dk1"/>
+    </dgm:txFillClrLst>
+    <dgm:txEffectClrLst/>
+  </dgm:styleLbl>
+  <dgm:styleLbl name="fgAcc4">
+    <dgm:fillClrLst meth="repeat">
+      <a:schemeClr val="lt1">
+        <a:alpha val="90000"/>
+      </a:schemeClr>
+    </dgm:fillClrLst>
+    <dgm:linClrLst>
+      <a:schemeClr val="accent4"/>
+    </dgm:linClrLst>
+    <dgm:effectClrLst/>
+    <dgm:txLinClrLst/>
+    <dgm:txFillClrLst meth="repeat">
+      <a:schemeClr val="dk1"/>
+    </dgm:txFillClrLst>
+    <dgm:txEffectClrLst/>
+  </dgm:styleLbl>
+  <dgm:styleLbl name="bgShp">
+    <dgm:fillClrLst meth="repeat">
+      <a:schemeClr val="bg1">
+        <a:lumMod val="95000"/>
+      </a:schemeClr>
+    </dgm:fillClrLst>
+    <dgm:linClrLst meth="repeat">
+      <a:schemeClr val="dk1"/>
+    </dgm:linClrLst>
+    <dgm:effectClrLst/>
+    <dgm:txLinClrLst/>
+    <dgm:txFillClrLst meth="repeat">
+      <a:schemeClr val="dk1"/>
+    </dgm:txFillClrLst>
+    <dgm:txEffectClrLst/>
+  </dgm:styleLbl>
+  <dgm:styleLbl name="dkBgShp">
+    <dgm:fillClrLst meth="repeat">
+      <a:schemeClr val="accent2">
+        <a:shade val="90000"/>
+      </a:schemeClr>
+    </dgm:fillClrLst>
+    <dgm:linClrLst meth="repeat">
+      <a:schemeClr val="dk1"/>
+    </dgm:linClrLst>
+    <dgm:effectClrLst/>
+    <dgm:txLinClrLst/>
+    <dgm:txFillClrLst meth="repeat">
+      <a:schemeClr val="lt1"/>
+    </dgm:txFillClrLst>
+    <dgm:txEffectClrLst/>
+  </dgm:styleLbl>
+  <dgm:styleLbl name="trBgShp">
+    <dgm:fillClrLst meth="repeat">
+      <a:schemeClr val="accent1">
+        <a:tint val="50000"/>
+        <a:alpha val="40000"/>
+      </a:schemeClr>
+    </dgm:fillClrLst>
+    <dgm:linClrLst meth="repeat">
+      <a:schemeClr val="accent2"/>
+    </dgm:linClrLst>
+    <dgm:effectClrLst/>
+    <dgm:txLinClrLst/>
+    <dgm:txFillClrLst meth="repeat">
+      <a:schemeClr val="lt1"/>
+    </dgm:txFillClrLst>
+    <dgm:txEffectClrLst/>
+  </dgm:styleLbl>
+  <dgm:styleLbl name="fgShp">
+    <dgm:fillClrLst meth="repeat">
+      <a:schemeClr val="accent2">
+        <a:tint val="40000"/>
+      </a:schemeClr>
+    </dgm:fillClrLst>
+    <dgm:linClrLst meth="repeat">
+      <a:schemeClr val="lt1"/>
+    </dgm:linClrLst>
+    <dgm:effectClrLst/>
+    <dgm:txLinClrLst/>
+    <dgm:txFillClrLst meth="repeat">
+      <a:schemeClr val="dk1"/>
+    </dgm:txFillClrLst>
+    <dgm:txEffectClrLst/>
+  </dgm:styleLbl>
+  <dgm:styleLbl name="revTx">
+    <dgm:fillClrLst meth="repeat">
+      <a:schemeClr val="lt1">
+        <a:alpha val="0"/>
+      </a:schemeClr>
+    </dgm:fillClrLst>
+    <dgm:linClrLst meth="repeat">
+      <a:schemeClr val="dk1">
+        <a:alpha val="0"/>
+      </a:schemeClr>
+    </dgm:linClrLst>
+    <dgm:effectClrLst/>
+    <dgm:txLinClrLst/>
+    <dgm:txFillClrLst meth="repeat">
+      <a:schemeClr val="tx1"/>
+    </dgm:txFillClrLst>
+    <dgm:txEffectClrLst/>
+  </dgm:styleLbl>
+</dgm:colorsDef>
+</file>
+
+<file path=ppt/diagrams/colors2.xml><?xml version="1.0" encoding="utf-8"?>
 <dgm:colorsDef xmlns:dgm="http://schemas.openxmlformats.org/drawingml/2006/diagram" xmlns:a="http://schemas.openxmlformats.org/drawingml/2006/main" uniqueId="urn:microsoft.com/office/officeart/2005/8/colors/accent0_3">
   <dgm:title val=""/>
   <dgm:desc val=""/>
@@ -892,6 +1813,624 @@
 </file>
 
 <file path=ppt/diagrams/data1.xml><?xml version="1.0" encoding="utf-8"?>
+<dgm:dataModel xmlns:dgm="http://schemas.openxmlformats.org/drawingml/2006/diagram" xmlns:a="http://schemas.openxmlformats.org/drawingml/2006/main">
+  <dgm:ptLst>
+    <dgm:pt modelId="{456CAE3E-4E6B-412F-AE8A-5DDC85595FDC}" type="doc">
+      <dgm:prSet loTypeId="urn:microsoft.com/office/officeart/2018/2/layout/IconVerticalSolidList" loCatId="icon" qsTypeId="urn:microsoft.com/office/officeart/2005/8/quickstyle/simple1" qsCatId="simple" csTypeId="urn:microsoft.com/office/officeart/2018/5/colors/Iconchunking_neutralbg_colorful1" csCatId="colorful" phldr="1"/>
+      <dgm:spPr/>
+      <dgm:t>
+        <a:bodyPr/>
+        <a:lstStyle/>
+        <a:p>
+          <a:endParaRPr lang="en-US"/>
+        </a:p>
+      </dgm:t>
+    </dgm:pt>
+    <dgm:pt modelId="{65228B7A-7E69-4605-9CF3-6B84C41BC533}">
+      <dgm:prSet/>
+      <dgm:spPr/>
+      <dgm:t>
+        <a:bodyPr/>
+        <a:lstStyle/>
+        <a:p>
+          <a:r>
+            <a:rPr lang="en-US"/>
+            <a:t>Development will continue as features arise</a:t>
+          </a:r>
+        </a:p>
+      </dgm:t>
+    </dgm:pt>
+    <dgm:pt modelId="{2399D211-142F-4BA4-AB45-B5E8F2719915}" type="parTrans" cxnId="{8D026A05-852A-46C8-8740-845136839E35}">
+      <dgm:prSet/>
+      <dgm:spPr/>
+      <dgm:t>
+        <a:bodyPr/>
+        <a:lstStyle/>
+        <a:p>
+          <a:endParaRPr lang="en-US"/>
+        </a:p>
+      </dgm:t>
+    </dgm:pt>
+    <dgm:pt modelId="{0A1A4536-8567-407C-84A9-B7F6708C17B5}" type="sibTrans" cxnId="{8D026A05-852A-46C8-8740-845136839E35}">
+      <dgm:prSet/>
+      <dgm:spPr/>
+      <dgm:t>
+        <a:bodyPr/>
+        <a:lstStyle/>
+        <a:p>
+          <a:endParaRPr lang="en-US"/>
+        </a:p>
+      </dgm:t>
+    </dgm:pt>
+    <dgm:pt modelId="{32750EA6-EA47-4594-8291-5D84E3D23E8C}">
+      <dgm:prSet/>
+      <dgm:spPr/>
+      <dgm:t>
+        <a:bodyPr/>
+        <a:lstStyle/>
+        <a:p>
+          <a:r>
+            <a:rPr lang="en-GB"/>
+            <a:t>UI will continue to improve</a:t>
+          </a:r>
+          <a:endParaRPr lang="en-US"/>
+        </a:p>
+      </dgm:t>
+    </dgm:pt>
+    <dgm:pt modelId="{390BF1F8-B1A6-4600-9A80-18D9286A4C74}" type="parTrans" cxnId="{81412B20-0F28-4C88-A3A6-CA90BDBE2527}">
+      <dgm:prSet/>
+      <dgm:spPr/>
+      <dgm:t>
+        <a:bodyPr/>
+        <a:lstStyle/>
+        <a:p>
+          <a:endParaRPr lang="en-US"/>
+        </a:p>
+      </dgm:t>
+    </dgm:pt>
+    <dgm:pt modelId="{98AAA9A9-D615-40C5-A119-66E8EC48D5F0}" type="sibTrans" cxnId="{81412B20-0F28-4C88-A3A6-CA90BDBE2527}">
+      <dgm:prSet/>
+      <dgm:spPr/>
+      <dgm:t>
+        <a:bodyPr/>
+        <a:lstStyle/>
+        <a:p>
+          <a:endParaRPr lang="en-US"/>
+        </a:p>
+      </dgm:t>
+    </dgm:pt>
+    <dgm:pt modelId="{2976C869-C947-4E2A-80FA-C4981322F544}">
+      <dgm:prSet/>
+      <dgm:spPr/>
+      <dgm:t>
+        <a:bodyPr/>
+        <a:lstStyle/>
+        <a:p>
+          <a:r>
+            <a:rPr lang="en-GB"/>
+            <a:t>System backend can be improved to reduce latency</a:t>
+          </a:r>
+          <a:endParaRPr lang="en-US"/>
+        </a:p>
+      </dgm:t>
+    </dgm:pt>
+    <dgm:pt modelId="{CB0EA81B-59A7-4EFF-A1C2-3E215E657B2C}" type="parTrans" cxnId="{AF29DBE1-8E8E-4E83-9E51-C3B8E56CF91E}">
+      <dgm:prSet/>
+      <dgm:spPr/>
+      <dgm:t>
+        <a:bodyPr/>
+        <a:lstStyle/>
+        <a:p>
+          <a:endParaRPr lang="en-US"/>
+        </a:p>
+      </dgm:t>
+    </dgm:pt>
+    <dgm:pt modelId="{79565FA3-120B-4EEE-936E-73035C819FCB}" type="sibTrans" cxnId="{AF29DBE1-8E8E-4E83-9E51-C3B8E56CF91E}">
+      <dgm:prSet/>
+      <dgm:spPr/>
+      <dgm:t>
+        <a:bodyPr/>
+        <a:lstStyle/>
+        <a:p>
+          <a:endParaRPr lang="en-US"/>
+        </a:p>
+      </dgm:t>
+    </dgm:pt>
+    <dgm:pt modelId="{C513622C-5D3C-49EC-8E50-B236CEA7E348}">
+      <dgm:prSet/>
+      <dgm:spPr/>
+      <dgm:t>
+        <a:bodyPr/>
+        <a:lstStyle/>
+        <a:p>
+          <a:r>
+            <a:rPr lang="en-GB"/>
+            <a:t>Cornell method to be integrated</a:t>
+          </a:r>
+          <a:endParaRPr lang="en-US"/>
+        </a:p>
+      </dgm:t>
+    </dgm:pt>
+    <dgm:pt modelId="{C79B3A4E-5030-412F-B218-0D7191307E54}" type="parTrans" cxnId="{6CCEA9BD-B701-4CCF-9B4F-E38664388BE5}">
+      <dgm:prSet/>
+      <dgm:spPr/>
+      <dgm:t>
+        <a:bodyPr/>
+        <a:lstStyle/>
+        <a:p>
+          <a:endParaRPr lang="en-US"/>
+        </a:p>
+      </dgm:t>
+    </dgm:pt>
+    <dgm:pt modelId="{163D0501-F711-4AB1-9E17-8F4BFD3DEFE0}" type="sibTrans" cxnId="{6CCEA9BD-B701-4CCF-9B4F-E38664388BE5}">
+      <dgm:prSet/>
+      <dgm:spPr/>
+      <dgm:t>
+        <a:bodyPr/>
+        <a:lstStyle/>
+        <a:p>
+          <a:endParaRPr lang="en-US"/>
+        </a:p>
+      </dgm:t>
+    </dgm:pt>
+    <dgm:pt modelId="{9F5BACCB-F0A1-4326-AA10-40B503733BB4}">
+      <dgm:prSet/>
+      <dgm:spPr/>
+      <dgm:t>
+        <a:bodyPr/>
+        <a:lstStyle/>
+        <a:p>
+          <a:r>
+            <a:rPr lang="en-GB"/>
+            <a:t>Evaluation cycles</a:t>
+          </a:r>
+          <a:endParaRPr lang="en-US"/>
+        </a:p>
+      </dgm:t>
+    </dgm:pt>
+    <dgm:pt modelId="{87A855F4-11F0-45BF-B0F1-272B218C32EF}" type="parTrans" cxnId="{E98F4BA0-B665-4EF4-8AB1-63870B04499A}">
+      <dgm:prSet/>
+      <dgm:spPr/>
+      <dgm:t>
+        <a:bodyPr/>
+        <a:lstStyle/>
+        <a:p>
+          <a:endParaRPr lang="en-US"/>
+        </a:p>
+      </dgm:t>
+    </dgm:pt>
+    <dgm:pt modelId="{CF48D5A3-AD0B-4E31-8CE5-64F1B910B6E3}" type="sibTrans" cxnId="{E98F4BA0-B665-4EF4-8AB1-63870B04499A}">
+      <dgm:prSet/>
+      <dgm:spPr/>
+      <dgm:t>
+        <a:bodyPr/>
+        <a:lstStyle/>
+        <a:p>
+          <a:endParaRPr lang="en-US"/>
+        </a:p>
+      </dgm:t>
+    </dgm:pt>
+    <dgm:pt modelId="{36E716E9-1B04-4456-8A07-C1F3CBC0646B}">
+      <dgm:prSet/>
+      <dgm:spPr/>
+      <dgm:t>
+        <a:bodyPr/>
+        <a:lstStyle/>
+        <a:p>
+          <a:r>
+            <a:rPr lang="en-US" dirty="0"/>
+            <a:t>Use local LLM</a:t>
+          </a:r>
+        </a:p>
+      </dgm:t>
+    </dgm:pt>
+    <dgm:pt modelId="{660F669A-BD53-4EFE-8267-91812A6A7D92}" type="parTrans" cxnId="{FF533E99-4026-4DF1-BE3E-8E561EDD9B9E}">
+      <dgm:prSet/>
+      <dgm:spPr/>
+      <dgm:t>
+        <a:bodyPr/>
+        <a:lstStyle/>
+        <a:p>
+          <a:endParaRPr lang="en-US"/>
+        </a:p>
+      </dgm:t>
+    </dgm:pt>
+    <dgm:pt modelId="{1B8AD792-C4CC-4EDA-84F5-9949C73433BD}" type="sibTrans" cxnId="{FF533E99-4026-4DF1-BE3E-8E561EDD9B9E}">
+      <dgm:prSet/>
+      <dgm:spPr/>
+      <dgm:t>
+        <a:bodyPr/>
+        <a:lstStyle/>
+        <a:p>
+          <a:endParaRPr lang="en-US"/>
+        </a:p>
+      </dgm:t>
+    </dgm:pt>
+    <dgm:pt modelId="{D8875458-B007-476A-8B67-E2F69E3126A6}" type="pres">
+      <dgm:prSet presAssocID="{456CAE3E-4E6B-412F-AE8A-5DDC85595FDC}" presName="root" presStyleCnt="0">
+        <dgm:presLayoutVars>
+          <dgm:dir/>
+          <dgm:resizeHandles val="exact"/>
+        </dgm:presLayoutVars>
+      </dgm:prSet>
+      <dgm:spPr/>
+    </dgm:pt>
+    <dgm:pt modelId="{F0018367-4B3D-49A8-8E37-53649BD12688}" type="pres">
+      <dgm:prSet presAssocID="{65228B7A-7E69-4605-9CF3-6B84C41BC533}" presName="compNode" presStyleCnt="0"/>
+      <dgm:spPr/>
+    </dgm:pt>
+    <dgm:pt modelId="{56001136-6A66-49BA-AA16-DB02CC78399F}" type="pres">
+      <dgm:prSet presAssocID="{65228B7A-7E69-4605-9CF3-6B84C41BC533}" presName="bgRect" presStyleLbl="bgShp" presStyleIdx="0" presStyleCnt="6"/>
+      <dgm:spPr/>
+    </dgm:pt>
+    <dgm:pt modelId="{90EBFDB1-C51F-44AF-AF81-26E0383E0A76}" type="pres">
+      <dgm:prSet presAssocID="{65228B7A-7E69-4605-9CF3-6B84C41BC533}" presName="iconRect" presStyleLbl="node1" presStyleIdx="0" presStyleCnt="6"/>
+      <dgm:spPr>
+        <a:blipFill>
+          <a:blip xmlns:r="http://schemas.openxmlformats.org/officeDocument/2006/relationships" r:embed="rId1">
+            <a:extLst>
+              <a:ext uri="{28A0092B-C50C-407E-A947-70E740481C1C}">
+                <a14:useLocalDpi xmlns:a14="http://schemas.microsoft.com/office/drawing/2010/main" val="0"/>
+              </a:ext>
+              <a:ext uri="{96DAC541-7B7A-43D3-8B79-37D633B846F1}">
+                <asvg:svgBlip xmlns:asvg="http://schemas.microsoft.com/office/drawing/2016/SVG/main" r:embed="rId2"/>
+              </a:ext>
+            </a:extLst>
+          </a:blip>
+          <a:stretch>
+            <a:fillRect/>
+          </a:stretch>
+        </a:blipFill>
+        <a:ln>
+          <a:noFill/>
+        </a:ln>
+      </dgm:spPr>
+      <dgm:extLst>
+        <a:ext uri="{E40237B7-FDA0-4F09-8148-C483321AD2D9}">
+          <dgm14:cNvPr xmlns:dgm14="http://schemas.microsoft.com/office/drawing/2010/diagram" id="0" name="" descr="Tick"/>
+        </a:ext>
+      </dgm:extLst>
+    </dgm:pt>
+    <dgm:pt modelId="{886F7DFD-825E-4CC0-A08E-834A4990F6FD}" type="pres">
+      <dgm:prSet presAssocID="{65228B7A-7E69-4605-9CF3-6B84C41BC533}" presName="spaceRect" presStyleCnt="0"/>
+      <dgm:spPr/>
+    </dgm:pt>
+    <dgm:pt modelId="{D494A42E-63FC-4CAC-86A4-98B60C362F78}" type="pres">
+      <dgm:prSet presAssocID="{65228B7A-7E69-4605-9CF3-6B84C41BC533}" presName="parTx" presStyleLbl="revTx" presStyleIdx="0" presStyleCnt="6">
+        <dgm:presLayoutVars>
+          <dgm:chMax val="0"/>
+          <dgm:chPref val="0"/>
+        </dgm:presLayoutVars>
+      </dgm:prSet>
+      <dgm:spPr/>
+    </dgm:pt>
+    <dgm:pt modelId="{3BD24ED8-CC77-4068-9905-78C1A512B8B7}" type="pres">
+      <dgm:prSet presAssocID="{0A1A4536-8567-407C-84A9-B7F6708C17B5}" presName="sibTrans" presStyleCnt="0"/>
+      <dgm:spPr/>
+    </dgm:pt>
+    <dgm:pt modelId="{D2443FB5-B7B5-41C6-BB28-F9C4AE593A0D}" type="pres">
+      <dgm:prSet presAssocID="{32750EA6-EA47-4594-8291-5D84E3D23E8C}" presName="compNode" presStyleCnt="0"/>
+      <dgm:spPr/>
+    </dgm:pt>
+    <dgm:pt modelId="{7D800B1D-FDD6-4EA1-9C63-B3C5AFE51DFE}" type="pres">
+      <dgm:prSet presAssocID="{32750EA6-EA47-4594-8291-5D84E3D23E8C}" presName="bgRect" presStyleLbl="bgShp" presStyleIdx="1" presStyleCnt="6"/>
+      <dgm:spPr/>
+    </dgm:pt>
+    <dgm:pt modelId="{23ACCDA3-CB54-4BDD-87B7-239A31ECF942}" type="pres">
+      <dgm:prSet presAssocID="{32750EA6-EA47-4594-8291-5D84E3D23E8C}" presName="iconRect" presStyleLbl="node1" presStyleIdx="1" presStyleCnt="6"/>
+      <dgm:spPr>
+        <a:blipFill>
+          <a:blip xmlns:r="http://schemas.openxmlformats.org/officeDocument/2006/relationships" r:embed="rId3">
+            <a:extLst>
+              <a:ext uri="{28A0092B-C50C-407E-A947-70E740481C1C}">
+                <a14:useLocalDpi xmlns:a14="http://schemas.microsoft.com/office/drawing/2010/main" val="0"/>
+              </a:ext>
+              <a:ext uri="{96DAC541-7B7A-43D3-8B79-37D633B846F1}">
+                <asvg:svgBlip xmlns:asvg="http://schemas.microsoft.com/office/drawing/2016/SVG/main" r:embed="rId4"/>
+              </a:ext>
+            </a:extLst>
+          </a:blip>
+          <a:stretch>
+            <a:fillRect/>
+          </a:stretch>
+        </a:blipFill>
+        <a:ln>
+          <a:noFill/>
+        </a:ln>
+      </dgm:spPr>
+      <dgm:extLst>
+        <a:ext uri="{E40237B7-FDA0-4F09-8148-C483321AD2D9}">
+          <dgm14:cNvPr xmlns:dgm14="http://schemas.microsoft.com/office/drawing/2010/diagram" id="0" name="" descr="Maximise"/>
+        </a:ext>
+      </dgm:extLst>
+    </dgm:pt>
+    <dgm:pt modelId="{4241FB33-FF33-46FB-A906-7CA355B3E026}" type="pres">
+      <dgm:prSet presAssocID="{32750EA6-EA47-4594-8291-5D84E3D23E8C}" presName="spaceRect" presStyleCnt="0"/>
+      <dgm:spPr/>
+    </dgm:pt>
+    <dgm:pt modelId="{D8EC7D79-97F2-4A7C-944C-DC6B16F46054}" type="pres">
+      <dgm:prSet presAssocID="{32750EA6-EA47-4594-8291-5D84E3D23E8C}" presName="parTx" presStyleLbl="revTx" presStyleIdx="1" presStyleCnt="6">
+        <dgm:presLayoutVars>
+          <dgm:chMax val="0"/>
+          <dgm:chPref val="0"/>
+        </dgm:presLayoutVars>
+      </dgm:prSet>
+      <dgm:spPr/>
+    </dgm:pt>
+    <dgm:pt modelId="{3DB9FB21-32E1-41D0-A2CB-7C19D47D6FEE}" type="pres">
+      <dgm:prSet presAssocID="{98AAA9A9-D615-40C5-A119-66E8EC48D5F0}" presName="sibTrans" presStyleCnt="0"/>
+      <dgm:spPr/>
+    </dgm:pt>
+    <dgm:pt modelId="{CBE7BBD4-CD0C-4F64-AF64-144A5A812EC6}" type="pres">
+      <dgm:prSet presAssocID="{2976C869-C947-4E2A-80FA-C4981322F544}" presName="compNode" presStyleCnt="0"/>
+      <dgm:spPr/>
+    </dgm:pt>
+    <dgm:pt modelId="{D784F477-A0A1-44F2-8FAE-E769FAAAFDEC}" type="pres">
+      <dgm:prSet presAssocID="{2976C869-C947-4E2A-80FA-C4981322F544}" presName="bgRect" presStyleLbl="bgShp" presStyleIdx="2" presStyleCnt="6"/>
+      <dgm:spPr/>
+    </dgm:pt>
+    <dgm:pt modelId="{3AF062CC-B4E4-4E4E-89EE-25C8C57C005D}" type="pres">
+      <dgm:prSet presAssocID="{2976C869-C947-4E2A-80FA-C4981322F544}" presName="iconRect" presStyleLbl="node1" presStyleIdx="2" presStyleCnt="6"/>
+      <dgm:spPr>
+        <a:blipFill>
+          <a:blip xmlns:r="http://schemas.openxmlformats.org/officeDocument/2006/relationships" r:embed="rId5">
+            <a:extLst>
+              <a:ext uri="{28A0092B-C50C-407E-A947-70E740481C1C}">
+                <a14:useLocalDpi xmlns:a14="http://schemas.microsoft.com/office/drawing/2010/main" val="0"/>
+              </a:ext>
+              <a:ext uri="{96DAC541-7B7A-43D3-8B79-37D633B846F1}">
+                <asvg:svgBlip xmlns:asvg="http://schemas.microsoft.com/office/drawing/2016/SVG/main" r:embed="rId6"/>
+              </a:ext>
+            </a:extLst>
+          </a:blip>
+          <a:stretch>
+            <a:fillRect/>
+          </a:stretch>
+        </a:blipFill>
+        <a:ln>
+          <a:noFill/>
+        </a:ln>
+      </dgm:spPr>
+      <dgm:extLst>
+        <a:ext uri="{E40237B7-FDA0-4F09-8148-C483321AD2D9}">
+          <dgm14:cNvPr xmlns:dgm14="http://schemas.microsoft.com/office/drawing/2010/diagram" id="0" name="" descr="Upward trend"/>
+        </a:ext>
+      </dgm:extLst>
+    </dgm:pt>
+    <dgm:pt modelId="{BC47FCA5-50A9-4E2C-B500-53BF3BF0C97C}" type="pres">
+      <dgm:prSet presAssocID="{2976C869-C947-4E2A-80FA-C4981322F544}" presName="spaceRect" presStyleCnt="0"/>
+      <dgm:spPr/>
+    </dgm:pt>
+    <dgm:pt modelId="{417CCB69-A9B3-46E0-B9B1-731E54FF745F}" type="pres">
+      <dgm:prSet presAssocID="{2976C869-C947-4E2A-80FA-C4981322F544}" presName="parTx" presStyleLbl="revTx" presStyleIdx="2" presStyleCnt="6">
+        <dgm:presLayoutVars>
+          <dgm:chMax val="0"/>
+          <dgm:chPref val="0"/>
+        </dgm:presLayoutVars>
+      </dgm:prSet>
+      <dgm:spPr/>
+    </dgm:pt>
+    <dgm:pt modelId="{AFCD4EAD-D177-42E3-9602-26A3FF93AE7E}" type="pres">
+      <dgm:prSet presAssocID="{79565FA3-120B-4EEE-936E-73035C819FCB}" presName="sibTrans" presStyleCnt="0"/>
+      <dgm:spPr/>
+    </dgm:pt>
+    <dgm:pt modelId="{581F377B-7AEE-4994-85E0-57D730C351AF}" type="pres">
+      <dgm:prSet presAssocID="{C513622C-5D3C-49EC-8E50-B236CEA7E348}" presName="compNode" presStyleCnt="0"/>
+      <dgm:spPr/>
+    </dgm:pt>
+    <dgm:pt modelId="{98FC7ECD-2AD6-4AA7-B334-83E84FD77C2A}" type="pres">
+      <dgm:prSet presAssocID="{C513622C-5D3C-49EC-8E50-B236CEA7E348}" presName="bgRect" presStyleLbl="bgShp" presStyleIdx="3" presStyleCnt="6"/>
+      <dgm:spPr/>
+    </dgm:pt>
+    <dgm:pt modelId="{9BFC0E25-1ADF-4C52-B1ED-AA2799D1CA61}" type="pres">
+      <dgm:prSet presAssocID="{C513622C-5D3C-49EC-8E50-B236CEA7E348}" presName="iconRect" presStyleLbl="node1" presStyleIdx="3" presStyleCnt="6"/>
+      <dgm:spPr>
+        <a:blipFill>
+          <a:blip xmlns:r="http://schemas.openxmlformats.org/officeDocument/2006/relationships" r:embed="rId7">
+            <a:extLst>
+              <a:ext uri="{28A0092B-C50C-407E-A947-70E740481C1C}">
+                <a14:useLocalDpi xmlns:a14="http://schemas.microsoft.com/office/drawing/2010/main" val="0"/>
+              </a:ext>
+              <a:ext uri="{96DAC541-7B7A-43D3-8B79-37D633B846F1}">
+                <asvg:svgBlip xmlns:asvg="http://schemas.microsoft.com/office/drawing/2016/SVG/main" r:embed="rId8"/>
+              </a:ext>
+            </a:extLst>
+          </a:blip>
+          <a:stretch>
+            <a:fillRect/>
+          </a:stretch>
+        </a:blipFill>
+        <a:ln>
+          <a:noFill/>
+        </a:ln>
+      </dgm:spPr>
+      <dgm:extLst>
+        <a:ext uri="{E40237B7-FDA0-4F09-8148-C483321AD2D9}">
+          <dgm14:cNvPr xmlns:dgm14="http://schemas.microsoft.com/office/drawing/2010/diagram" id="0" name="" descr="Document"/>
+        </a:ext>
+      </dgm:extLst>
+    </dgm:pt>
+    <dgm:pt modelId="{49574789-2E13-4BAE-87A5-A63521E427B4}" type="pres">
+      <dgm:prSet presAssocID="{C513622C-5D3C-49EC-8E50-B236CEA7E348}" presName="spaceRect" presStyleCnt="0"/>
+      <dgm:spPr/>
+    </dgm:pt>
+    <dgm:pt modelId="{5CF6F889-17AA-4EB8-9F29-8DE08CF8F2EF}" type="pres">
+      <dgm:prSet presAssocID="{C513622C-5D3C-49EC-8E50-B236CEA7E348}" presName="parTx" presStyleLbl="revTx" presStyleIdx="3" presStyleCnt="6">
+        <dgm:presLayoutVars>
+          <dgm:chMax val="0"/>
+          <dgm:chPref val="0"/>
+        </dgm:presLayoutVars>
+      </dgm:prSet>
+      <dgm:spPr/>
+    </dgm:pt>
+    <dgm:pt modelId="{F762A0DF-93C7-48DB-94D7-FFB09C4684A0}" type="pres">
+      <dgm:prSet presAssocID="{163D0501-F711-4AB1-9E17-8F4BFD3DEFE0}" presName="sibTrans" presStyleCnt="0"/>
+      <dgm:spPr/>
+    </dgm:pt>
+    <dgm:pt modelId="{5E83CA8F-68D3-4DB6-AB6E-90A05CAB5682}" type="pres">
+      <dgm:prSet presAssocID="{9F5BACCB-F0A1-4326-AA10-40B503733BB4}" presName="compNode" presStyleCnt="0"/>
+      <dgm:spPr/>
+    </dgm:pt>
+    <dgm:pt modelId="{59F9C225-E501-41F4-98EA-47FDF11F961F}" type="pres">
+      <dgm:prSet presAssocID="{9F5BACCB-F0A1-4326-AA10-40B503733BB4}" presName="bgRect" presStyleLbl="bgShp" presStyleIdx="4" presStyleCnt="6"/>
+      <dgm:spPr/>
+    </dgm:pt>
+    <dgm:pt modelId="{254E823B-624D-42A3-ADFF-4E8E90D506BB}" type="pres">
+      <dgm:prSet presAssocID="{9F5BACCB-F0A1-4326-AA10-40B503733BB4}" presName="iconRect" presStyleLbl="node1" presStyleIdx="4" presStyleCnt="6"/>
+      <dgm:spPr>
+        <a:blipFill>
+          <a:blip xmlns:r="http://schemas.openxmlformats.org/officeDocument/2006/relationships" r:embed="rId9">
+            <a:extLst>
+              <a:ext uri="{28A0092B-C50C-407E-A947-70E740481C1C}">
+                <a14:useLocalDpi xmlns:a14="http://schemas.microsoft.com/office/drawing/2010/main" val="0"/>
+              </a:ext>
+              <a:ext uri="{96DAC541-7B7A-43D3-8B79-37D633B846F1}">
+                <asvg:svgBlip xmlns:asvg="http://schemas.microsoft.com/office/drawing/2016/SVG/main" r:embed="rId10"/>
+              </a:ext>
+            </a:extLst>
+          </a:blip>
+          <a:stretch>
+            <a:fillRect/>
+          </a:stretch>
+        </a:blipFill>
+        <a:ln>
+          <a:noFill/>
+        </a:ln>
+      </dgm:spPr>
+      <dgm:extLst>
+        <a:ext uri="{E40237B7-FDA0-4F09-8148-C483321AD2D9}">
+          <dgm14:cNvPr xmlns:dgm14="http://schemas.microsoft.com/office/drawing/2010/diagram" id="0" name="" descr="Repeat"/>
+        </a:ext>
+      </dgm:extLst>
+    </dgm:pt>
+    <dgm:pt modelId="{D7A5E7B2-C0DA-45DE-8458-0599763C4573}" type="pres">
+      <dgm:prSet presAssocID="{9F5BACCB-F0A1-4326-AA10-40B503733BB4}" presName="spaceRect" presStyleCnt="0"/>
+      <dgm:spPr/>
+    </dgm:pt>
+    <dgm:pt modelId="{C8A8D391-E84A-4E6A-B70F-FF27E46A3FA1}" type="pres">
+      <dgm:prSet presAssocID="{9F5BACCB-F0A1-4326-AA10-40B503733BB4}" presName="parTx" presStyleLbl="revTx" presStyleIdx="4" presStyleCnt="6">
+        <dgm:presLayoutVars>
+          <dgm:chMax val="0"/>
+          <dgm:chPref val="0"/>
+        </dgm:presLayoutVars>
+      </dgm:prSet>
+      <dgm:spPr/>
+    </dgm:pt>
+    <dgm:pt modelId="{8ED3FE83-C72E-40BA-9E4C-A732F3C2DC80}" type="pres">
+      <dgm:prSet presAssocID="{CF48D5A3-AD0B-4E31-8CE5-64F1B910B6E3}" presName="sibTrans" presStyleCnt="0"/>
+      <dgm:spPr/>
+    </dgm:pt>
+    <dgm:pt modelId="{FAF4D1A0-7956-4DD6-9661-CEFE30FC96A6}" type="pres">
+      <dgm:prSet presAssocID="{36E716E9-1B04-4456-8A07-C1F3CBC0646B}" presName="compNode" presStyleCnt="0"/>
+      <dgm:spPr/>
+    </dgm:pt>
+    <dgm:pt modelId="{A95A46B9-BF1B-4704-ACC7-6D7CD3E09ABD}" type="pres">
+      <dgm:prSet presAssocID="{36E716E9-1B04-4456-8A07-C1F3CBC0646B}" presName="bgRect" presStyleLbl="bgShp" presStyleIdx="5" presStyleCnt="6"/>
+      <dgm:spPr/>
+    </dgm:pt>
+    <dgm:pt modelId="{7514CD47-B801-4F79-A54E-A9FE36F57470}" type="pres">
+      <dgm:prSet presAssocID="{36E716E9-1B04-4456-8A07-C1F3CBC0646B}" presName="iconRect" presStyleLbl="node1" presStyleIdx="5" presStyleCnt="6"/>
+      <dgm:spPr>
+        <a:blipFill>
+          <a:blip xmlns:r="http://schemas.openxmlformats.org/officeDocument/2006/relationships" r:embed="rId11">
+            <a:extLst>
+              <a:ext uri="{28A0092B-C50C-407E-A947-70E740481C1C}">
+                <a14:useLocalDpi xmlns:a14="http://schemas.microsoft.com/office/drawing/2010/main" val="0"/>
+              </a:ext>
+              <a:ext uri="{96DAC541-7B7A-43D3-8B79-37D633B846F1}">
+                <asvg:svgBlip xmlns:asvg="http://schemas.microsoft.com/office/drawing/2016/SVG/main" r:embed="rId12"/>
+              </a:ext>
+            </a:extLst>
+          </a:blip>
+          <a:stretch>
+            <a:fillRect/>
+          </a:stretch>
+        </a:blipFill>
+        <a:ln>
+          <a:noFill/>
+        </a:ln>
+      </dgm:spPr>
+      <dgm:extLst>
+        <a:ext uri="{E40237B7-FDA0-4F09-8148-C483321AD2D9}">
+          <dgm14:cNvPr xmlns:dgm14="http://schemas.microsoft.com/office/drawing/2010/diagram" id="0" name="" descr="Head with Gears"/>
+        </a:ext>
+      </dgm:extLst>
+    </dgm:pt>
+    <dgm:pt modelId="{0AD8B89A-236E-45A3-A750-8325F8263AE4}" type="pres">
+      <dgm:prSet presAssocID="{36E716E9-1B04-4456-8A07-C1F3CBC0646B}" presName="spaceRect" presStyleCnt="0"/>
+      <dgm:spPr/>
+    </dgm:pt>
+    <dgm:pt modelId="{DF436EDB-1B12-4C44-90FC-1C359CD757CD}" type="pres">
+      <dgm:prSet presAssocID="{36E716E9-1B04-4456-8A07-C1F3CBC0646B}" presName="parTx" presStyleLbl="revTx" presStyleIdx="5" presStyleCnt="6">
+        <dgm:presLayoutVars>
+          <dgm:chMax val="0"/>
+          <dgm:chPref val="0"/>
+        </dgm:presLayoutVars>
+      </dgm:prSet>
+      <dgm:spPr/>
+    </dgm:pt>
+  </dgm:ptLst>
+  <dgm:cxnLst>
+    <dgm:cxn modelId="{8D026A05-852A-46C8-8740-845136839E35}" srcId="{456CAE3E-4E6B-412F-AE8A-5DDC85595FDC}" destId="{65228B7A-7E69-4605-9CF3-6B84C41BC533}" srcOrd="0" destOrd="0" parTransId="{2399D211-142F-4BA4-AB45-B5E8F2719915}" sibTransId="{0A1A4536-8567-407C-84A9-B7F6708C17B5}"/>
+    <dgm:cxn modelId="{29CA1615-B4BB-4DAA-B850-77CE68F52B3F}" type="presOf" srcId="{C513622C-5D3C-49EC-8E50-B236CEA7E348}" destId="{5CF6F889-17AA-4EB8-9F29-8DE08CF8F2EF}" srcOrd="0" destOrd="0" presId="urn:microsoft.com/office/officeart/2018/2/layout/IconVerticalSolidList"/>
+    <dgm:cxn modelId="{81412B20-0F28-4C88-A3A6-CA90BDBE2527}" srcId="{456CAE3E-4E6B-412F-AE8A-5DDC85595FDC}" destId="{32750EA6-EA47-4594-8291-5D84E3D23E8C}" srcOrd="1" destOrd="0" parTransId="{390BF1F8-B1A6-4600-9A80-18D9286A4C74}" sibTransId="{98AAA9A9-D615-40C5-A119-66E8EC48D5F0}"/>
+    <dgm:cxn modelId="{69337531-4956-4164-A3E9-DFA30D5D08E9}" type="presOf" srcId="{456CAE3E-4E6B-412F-AE8A-5DDC85595FDC}" destId="{D8875458-B007-476A-8B67-E2F69E3126A6}" srcOrd="0" destOrd="0" presId="urn:microsoft.com/office/officeart/2018/2/layout/IconVerticalSolidList"/>
+    <dgm:cxn modelId="{1D672B6F-1614-4D16-BA2A-8B7AA152DD25}" type="presOf" srcId="{65228B7A-7E69-4605-9CF3-6B84C41BC533}" destId="{D494A42E-63FC-4CAC-86A4-98B60C362F78}" srcOrd="0" destOrd="0" presId="urn:microsoft.com/office/officeart/2018/2/layout/IconVerticalSolidList"/>
+    <dgm:cxn modelId="{11D2B590-ACE8-4309-853E-7DAB016A92C6}" type="presOf" srcId="{2976C869-C947-4E2A-80FA-C4981322F544}" destId="{417CCB69-A9B3-46E0-B9B1-731E54FF745F}" srcOrd="0" destOrd="0" presId="urn:microsoft.com/office/officeart/2018/2/layout/IconVerticalSolidList"/>
+    <dgm:cxn modelId="{05F5D495-FE71-4D33-82BB-1146F69C7C02}" type="presOf" srcId="{36E716E9-1B04-4456-8A07-C1F3CBC0646B}" destId="{DF436EDB-1B12-4C44-90FC-1C359CD757CD}" srcOrd="0" destOrd="0" presId="urn:microsoft.com/office/officeart/2018/2/layout/IconVerticalSolidList"/>
+    <dgm:cxn modelId="{FF533E99-4026-4DF1-BE3E-8E561EDD9B9E}" srcId="{456CAE3E-4E6B-412F-AE8A-5DDC85595FDC}" destId="{36E716E9-1B04-4456-8A07-C1F3CBC0646B}" srcOrd="5" destOrd="0" parTransId="{660F669A-BD53-4EFE-8267-91812A6A7D92}" sibTransId="{1B8AD792-C4CC-4EDA-84F5-9949C73433BD}"/>
+    <dgm:cxn modelId="{E98F4BA0-B665-4EF4-8AB1-63870B04499A}" srcId="{456CAE3E-4E6B-412F-AE8A-5DDC85595FDC}" destId="{9F5BACCB-F0A1-4326-AA10-40B503733BB4}" srcOrd="4" destOrd="0" parTransId="{87A855F4-11F0-45BF-B0F1-272B218C32EF}" sibTransId="{CF48D5A3-AD0B-4E31-8CE5-64F1B910B6E3}"/>
+    <dgm:cxn modelId="{6CCEA9BD-B701-4CCF-9B4F-E38664388BE5}" srcId="{456CAE3E-4E6B-412F-AE8A-5DDC85595FDC}" destId="{C513622C-5D3C-49EC-8E50-B236CEA7E348}" srcOrd="3" destOrd="0" parTransId="{C79B3A4E-5030-412F-B218-0D7191307E54}" sibTransId="{163D0501-F711-4AB1-9E17-8F4BFD3DEFE0}"/>
+    <dgm:cxn modelId="{B59AACD4-3507-46F2-8B5B-10F84A1541DB}" type="presOf" srcId="{32750EA6-EA47-4594-8291-5D84E3D23E8C}" destId="{D8EC7D79-97F2-4A7C-944C-DC6B16F46054}" srcOrd="0" destOrd="0" presId="urn:microsoft.com/office/officeart/2018/2/layout/IconVerticalSolidList"/>
+    <dgm:cxn modelId="{AF29DBE1-8E8E-4E83-9E51-C3B8E56CF91E}" srcId="{456CAE3E-4E6B-412F-AE8A-5DDC85595FDC}" destId="{2976C869-C947-4E2A-80FA-C4981322F544}" srcOrd="2" destOrd="0" parTransId="{CB0EA81B-59A7-4EFF-A1C2-3E215E657B2C}" sibTransId="{79565FA3-120B-4EEE-936E-73035C819FCB}"/>
+    <dgm:cxn modelId="{F527A4F5-2BB1-4DFB-9EAE-DAF91571CCE2}" type="presOf" srcId="{9F5BACCB-F0A1-4326-AA10-40B503733BB4}" destId="{C8A8D391-E84A-4E6A-B70F-FF27E46A3FA1}" srcOrd="0" destOrd="0" presId="urn:microsoft.com/office/officeart/2018/2/layout/IconVerticalSolidList"/>
+    <dgm:cxn modelId="{30A7D8FB-BD73-45C1-85C0-8D7568D4C0AB}" type="presParOf" srcId="{D8875458-B007-476A-8B67-E2F69E3126A6}" destId="{F0018367-4B3D-49A8-8E37-53649BD12688}" srcOrd="0" destOrd="0" presId="urn:microsoft.com/office/officeart/2018/2/layout/IconVerticalSolidList"/>
+    <dgm:cxn modelId="{DFF071F9-6A52-421C-BFDD-5BF42E40B2B2}" type="presParOf" srcId="{F0018367-4B3D-49A8-8E37-53649BD12688}" destId="{56001136-6A66-49BA-AA16-DB02CC78399F}" srcOrd="0" destOrd="0" presId="urn:microsoft.com/office/officeart/2018/2/layout/IconVerticalSolidList"/>
+    <dgm:cxn modelId="{684930B8-1861-4FBB-ABD4-D8699D1AC587}" type="presParOf" srcId="{F0018367-4B3D-49A8-8E37-53649BD12688}" destId="{90EBFDB1-C51F-44AF-AF81-26E0383E0A76}" srcOrd="1" destOrd="0" presId="urn:microsoft.com/office/officeart/2018/2/layout/IconVerticalSolidList"/>
+    <dgm:cxn modelId="{4FFA8D50-6A04-44C7-A5DD-0C846BB42F45}" type="presParOf" srcId="{F0018367-4B3D-49A8-8E37-53649BD12688}" destId="{886F7DFD-825E-4CC0-A08E-834A4990F6FD}" srcOrd="2" destOrd="0" presId="urn:microsoft.com/office/officeart/2018/2/layout/IconVerticalSolidList"/>
+    <dgm:cxn modelId="{B5FA40B4-AC69-4AB7-8817-49F6F2319DCC}" type="presParOf" srcId="{F0018367-4B3D-49A8-8E37-53649BD12688}" destId="{D494A42E-63FC-4CAC-86A4-98B60C362F78}" srcOrd="3" destOrd="0" presId="urn:microsoft.com/office/officeart/2018/2/layout/IconVerticalSolidList"/>
+    <dgm:cxn modelId="{73D028A4-116C-4362-93F3-3296504F6BC5}" type="presParOf" srcId="{D8875458-B007-476A-8B67-E2F69E3126A6}" destId="{3BD24ED8-CC77-4068-9905-78C1A512B8B7}" srcOrd="1" destOrd="0" presId="urn:microsoft.com/office/officeart/2018/2/layout/IconVerticalSolidList"/>
+    <dgm:cxn modelId="{944FFDCA-C6E4-415D-AF74-2D5BF4B3AC38}" type="presParOf" srcId="{D8875458-B007-476A-8B67-E2F69E3126A6}" destId="{D2443FB5-B7B5-41C6-BB28-F9C4AE593A0D}" srcOrd="2" destOrd="0" presId="urn:microsoft.com/office/officeart/2018/2/layout/IconVerticalSolidList"/>
+    <dgm:cxn modelId="{A5B9E295-01B8-4F8F-AB2C-1F744E2062F6}" type="presParOf" srcId="{D2443FB5-B7B5-41C6-BB28-F9C4AE593A0D}" destId="{7D800B1D-FDD6-4EA1-9C63-B3C5AFE51DFE}" srcOrd="0" destOrd="0" presId="urn:microsoft.com/office/officeart/2018/2/layout/IconVerticalSolidList"/>
+    <dgm:cxn modelId="{9C0829C7-6BA4-48A4-A8D3-EE197A730987}" type="presParOf" srcId="{D2443FB5-B7B5-41C6-BB28-F9C4AE593A0D}" destId="{23ACCDA3-CB54-4BDD-87B7-239A31ECF942}" srcOrd="1" destOrd="0" presId="urn:microsoft.com/office/officeart/2018/2/layout/IconVerticalSolidList"/>
+    <dgm:cxn modelId="{B27E6260-6EFB-4F3C-A317-D3043624B775}" type="presParOf" srcId="{D2443FB5-B7B5-41C6-BB28-F9C4AE593A0D}" destId="{4241FB33-FF33-46FB-A906-7CA355B3E026}" srcOrd="2" destOrd="0" presId="urn:microsoft.com/office/officeart/2018/2/layout/IconVerticalSolidList"/>
+    <dgm:cxn modelId="{93FC6C67-FBD0-4900-8C7F-756C7425F9F9}" type="presParOf" srcId="{D2443FB5-B7B5-41C6-BB28-F9C4AE593A0D}" destId="{D8EC7D79-97F2-4A7C-944C-DC6B16F46054}" srcOrd="3" destOrd="0" presId="urn:microsoft.com/office/officeart/2018/2/layout/IconVerticalSolidList"/>
+    <dgm:cxn modelId="{91127689-D264-4CEA-A2A2-CC096D9E1FC1}" type="presParOf" srcId="{D8875458-B007-476A-8B67-E2F69E3126A6}" destId="{3DB9FB21-32E1-41D0-A2CB-7C19D47D6FEE}" srcOrd="3" destOrd="0" presId="urn:microsoft.com/office/officeart/2018/2/layout/IconVerticalSolidList"/>
+    <dgm:cxn modelId="{596E26F5-65EA-48B1-8F23-976412EADF91}" type="presParOf" srcId="{D8875458-B007-476A-8B67-E2F69E3126A6}" destId="{CBE7BBD4-CD0C-4F64-AF64-144A5A812EC6}" srcOrd="4" destOrd="0" presId="urn:microsoft.com/office/officeart/2018/2/layout/IconVerticalSolidList"/>
+    <dgm:cxn modelId="{9ECA6D14-945F-4F5E-BCF5-0AB3052C8F6C}" type="presParOf" srcId="{CBE7BBD4-CD0C-4F64-AF64-144A5A812EC6}" destId="{D784F477-A0A1-44F2-8FAE-E769FAAAFDEC}" srcOrd="0" destOrd="0" presId="urn:microsoft.com/office/officeart/2018/2/layout/IconVerticalSolidList"/>
+    <dgm:cxn modelId="{E9602A57-8720-4E31-8694-F098E9A5FD7C}" type="presParOf" srcId="{CBE7BBD4-CD0C-4F64-AF64-144A5A812EC6}" destId="{3AF062CC-B4E4-4E4E-89EE-25C8C57C005D}" srcOrd="1" destOrd="0" presId="urn:microsoft.com/office/officeart/2018/2/layout/IconVerticalSolidList"/>
+    <dgm:cxn modelId="{5E0FD101-8E9B-476C-80AF-4B22E0849651}" type="presParOf" srcId="{CBE7BBD4-CD0C-4F64-AF64-144A5A812EC6}" destId="{BC47FCA5-50A9-4E2C-B500-53BF3BF0C97C}" srcOrd="2" destOrd="0" presId="urn:microsoft.com/office/officeart/2018/2/layout/IconVerticalSolidList"/>
+    <dgm:cxn modelId="{7212307C-F9E5-4936-BF7E-B71553CD4E0E}" type="presParOf" srcId="{CBE7BBD4-CD0C-4F64-AF64-144A5A812EC6}" destId="{417CCB69-A9B3-46E0-B9B1-731E54FF745F}" srcOrd="3" destOrd="0" presId="urn:microsoft.com/office/officeart/2018/2/layout/IconVerticalSolidList"/>
+    <dgm:cxn modelId="{13C2E9AF-9B08-43FF-A9EE-28B160D44DE0}" type="presParOf" srcId="{D8875458-B007-476A-8B67-E2F69E3126A6}" destId="{AFCD4EAD-D177-42E3-9602-26A3FF93AE7E}" srcOrd="5" destOrd="0" presId="urn:microsoft.com/office/officeart/2018/2/layout/IconVerticalSolidList"/>
+    <dgm:cxn modelId="{21277739-9C1F-40DD-A591-831E2133AA73}" type="presParOf" srcId="{D8875458-B007-476A-8B67-E2F69E3126A6}" destId="{581F377B-7AEE-4994-85E0-57D730C351AF}" srcOrd="6" destOrd="0" presId="urn:microsoft.com/office/officeart/2018/2/layout/IconVerticalSolidList"/>
+    <dgm:cxn modelId="{99DFE7D8-3158-49D9-860D-3D2211D334ED}" type="presParOf" srcId="{581F377B-7AEE-4994-85E0-57D730C351AF}" destId="{98FC7ECD-2AD6-4AA7-B334-83E84FD77C2A}" srcOrd="0" destOrd="0" presId="urn:microsoft.com/office/officeart/2018/2/layout/IconVerticalSolidList"/>
+    <dgm:cxn modelId="{CF735D2B-F60D-4137-8F9E-47C5EF939882}" type="presParOf" srcId="{581F377B-7AEE-4994-85E0-57D730C351AF}" destId="{9BFC0E25-1ADF-4C52-B1ED-AA2799D1CA61}" srcOrd="1" destOrd="0" presId="urn:microsoft.com/office/officeart/2018/2/layout/IconVerticalSolidList"/>
+    <dgm:cxn modelId="{0951BF9D-DF7B-4D73-B06F-B05320CE20CA}" type="presParOf" srcId="{581F377B-7AEE-4994-85E0-57D730C351AF}" destId="{49574789-2E13-4BAE-87A5-A63521E427B4}" srcOrd="2" destOrd="0" presId="urn:microsoft.com/office/officeart/2018/2/layout/IconVerticalSolidList"/>
+    <dgm:cxn modelId="{B9B9D38C-EE86-4A5C-840B-331AA1B30C9A}" type="presParOf" srcId="{581F377B-7AEE-4994-85E0-57D730C351AF}" destId="{5CF6F889-17AA-4EB8-9F29-8DE08CF8F2EF}" srcOrd="3" destOrd="0" presId="urn:microsoft.com/office/officeart/2018/2/layout/IconVerticalSolidList"/>
+    <dgm:cxn modelId="{4B9699B5-1824-4D24-BB40-D9B90CB66343}" type="presParOf" srcId="{D8875458-B007-476A-8B67-E2F69E3126A6}" destId="{F762A0DF-93C7-48DB-94D7-FFB09C4684A0}" srcOrd="7" destOrd="0" presId="urn:microsoft.com/office/officeart/2018/2/layout/IconVerticalSolidList"/>
+    <dgm:cxn modelId="{3DB60316-4747-4F6C-B6B2-9E2E1CC84953}" type="presParOf" srcId="{D8875458-B007-476A-8B67-E2F69E3126A6}" destId="{5E83CA8F-68D3-4DB6-AB6E-90A05CAB5682}" srcOrd="8" destOrd="0" presId="urn:microsoft.com/office/officeart/2018/2/layout/IconVerticalSolidList"/>
+    <dgm:cxn modelId="{F6DF29F1-9127-46E2-B11E-DD6B5F8CB9D8}" type="presParOf" srcId="{5E83CA8F-68D3-4DB6-AB6E-90A05CAB5682}" destId="{59F9C225-E501-41F4-98EA-47FDF11F961F}" srcOrd="0" destOrd="0" presId="urn:microsoft.com/office/officeart/2018/2/layout/IconVerticalSolidList"/>
+    <dgm:cxn modelId="{1CA6B0ED-BFFE-4A8C-B3FD-4E9BE9BACDA9}" type="presParOf" srcId="{5E83CA8F-68D3-4DB6-AB6E-90A05CAB5682}" destId="{254E823B-624D-42A3-ADFF-4E8E90D506BB}" srcOrd="1" destOrd="0" presId="urn:microsoft.com/office/officeart/2018/2/layout/IconVerticalSolidList"/>
+    <dgm:cxn modelId="{B1B53E11-905A-464F-8509-B6D7703392CF}" type="presParOf" srcId="{5E83CA8F-68D3-4DB6-AB6E-90A05CAB5682}" destId="{D7A5E7B2-C0DA-45DE-8458-0599763C4573}" srcOrd="2" destOrd="0" presId="urn:microsoft.com/office/officeart/2018/2/layout/IconVerticalSolidList"/>
+    <dgm:cxn modelId="{822F5954-CAB6-4F1C-8472-E7720B648AC6}" type="presParOf" srcId="{5E83CA8F-68D3-4DB6-AB6E-90A05CAB5682}" destId="{C8A8D391-E84A-4E6A-B70F-FF27E46A3FA1}" srcOrd="3" destOrd="0" presId="urn:microsoft.com/office/officeart/2018/2/layout/IconVerticalSolidList"/>
+    <dgm:cxn modelId="{1F4D5FAC-F950-49FF-9999-A3D06A903FED}" type="presParOf" srcId="{D8875458-B007-476A-8B67-E2F69E3126A6}" destId="{8ED3FE83-C72E-40BA-9E4C-A732F3C2DC80}" srcOrd="9" destOrd="0" presId="urn:microsoft.com/office/officeart/2018/2/layout/IconVerticalSolidList"/>
+    <dgm:cxn modelId="{9BBFA46C-F834-4806-8EBA-5FBEE9D3D9F1}" type="presParOf" srcId="{D8875458-B007-476A-8B67-E2F69E3126A6}" destId="{FAF4D1A0-7956-4DD6-9661-CEFE30FC96A6}" srcOrd="10" destOrd="0" presId="urn:microsoft.com/office/officeart/2018/2/layout/IconVerticalSolidList"/>
+    <dgm:cxn modelId="{B1288675-0881-4702-B150-9AA2A00695E1}" type="presParOf" srcId="{FAF4D1A0-7956-4DD6-9661-CEFE30FC96A6}" destId="{A95A46B9-BF1B-4704-ACC7-6D7CD3E09ABD}" srcOrd="0" destOrd="0" presId="urn:microsoft.com/office/officeart/2018/2/layout/IconVerticalSolidList"/>
+    <dgm:cxn modelId="{93D6A7F5-8859-4E27-B351-C80D76E2A1EB}" type="presParOf" srcId="{FAF4D1A0-7956-4DD6-9661-CEFE30FC96A6}" destId="{7514CD47-B801-4F79-A54E-A9FE36F57470}" srcOrd="1" destOrd="0" presId="urn:microsoft.com/office/officeart/2018/2/layout/IconVerticalSolidList"/>
+    <dgm:cxn modelId="{51917EDE-EC01-4B0B-9D07-4BC89FBF7B09}" type="presParOf" srcId="{FAF4D1A0-7956-4DD6-9661-CEFE30FC96A6}" destId="{0AD8B89A-236E-45A3-A750-8325F8263AE4}" srcOrd="2" destOrd="0" presId="urn:microsoft.com/office/officeart/2018/2/layout/IconVerticalSolidList"/>
+    <dgm:cxn modelId="{D470AED4-976D-474D-8691-CF17F0A700A0}" type="presParOf" srcId="{FAF4D1A0-7956-4DD6-9661-CEFE30FC96A6}" destId="{DF436EDB-1B12-4C44-90FC-1C359CD757CD}" srcOrd="3" destOrd="0" presId="urn:microsoft.com/office/officeart/2018/2/layout/IconVerticalSolidList"/>
+  </dgm:cxnLst>
+  <dgm:bg/>
+  <dgm:whole/>
+  <dgm:extLst>
+    <a:ext uri="http://schemas.microsoft.com/office/drawing/2008/diagram">
+      <dsp:dataModelExt xmlns:dsp="http://schemas.microsoft.com/office/drawing/2008/diagram" relId="rId6" minVer="http://schemas.openxmlformats.org/drawingml/2006/diagram"/>
+    </a:ext>
+  </dgm:extLst>
+</dgm:dataModel>
+</file>
+
+<file path=ppt/diagrams/data2.xml><?xml version="1.0" encoding="utf-8"?>
 <dgm:dataModel xmlns:dgm="http://schemas.openxmlformats.org/drawingml/2006/diagram" xmlns:a="http://schemas.openxmlformats.org/drawingml/2006/main">
   <dgm:ptLst>
     <dgm:pt modelId="{8C4D4840-C4ED-4057-9F47-1FA7A4FA071B}" type="doc">
@@ -1147,10 +2686,10 @@
     </dgm:pt>
   </dgm:ptLst>
   <dgm:cxnLst>
+    <dgm:cxn modelId="{62321D43-A422-EA4A-9803-E21563926BD0}" type="presOf" srcId="{8C4D4840-C4ED-4057-9F47-1FA7A4FA071B}" destId="{18C33DC1-2B97-764D-9F4A-C65FB8386CA6}" srcOrd="0" destOrd="0" presId="urn:microsoft.com/office/officeart/2016/7/layout/BasicLinearProcessNumbered"/>
+    <dgm:cxn modelId="{95244152-4C7C-5547-B69B-7340214E3676}" type="presOf" srcId="{A35B218E-478C-4AAE-A49F-CA5B79B7EC30}" destId="{A8BB9D72-9F52-9446-867E-2F0DDF91C0BE}" srcOrd="0" destOrd="0" presId="urn:microsoft.com/office/officeart/2016/7/layout/BasicLinearProcessNumbered"/>
     <dgm:cxn modelId="{9F4E205D-FBC2-8D4F-8DB8-41A7E2FA13C8}" type="presOf" srcId="{D6542540-89B4-4CD2-BF4F-892CC9F97389}" destId="{BAEC19D5-4898-F343-81F0-ADE6B8EF7587}" srcOrd="1" destOrd="0" presId="urn:microsoft.com/office/officeart/2016/7/layout/BasicLinearProcessNumbered"/>
-    <dgm:cxn modelId="{62321D43-A422-EA4A-9803-E21563926BD0}" type="presOf" srcId="{8C4D4840-C4ED-4057-9F47-1FA7A4FA071B}" destId="{18C33DC1-2B97-764D-9F4A-C65FB8386CA6}" srcOrd="0" destOrd="0" presId="urn:microsoft.com/office/officeart/2016/7/layout/BasicLinearProcessNumbered"/>
     <dgm:cxn modelId="{B74F7569-CB3E-FE43-ACFA-D0B511379C7F}" type="presOf" srcId="{31BE2F93-8E63-4553-812F-A2CACAC63901}" destId="{68F9A2CC-C8C0-814B-B3E3-0DD5AB3BCFD8}" srcOrd="0" destOrd="0" presId="urn:microsoft.com/office/officeart/2016/7/layout/BasicLinearProcessNumbered"/>
-    <dgm:cxn modelId="{95244152-4C7C-5547-B69B-7340214E3676}" type="presOf" srcId="{A35B218E-478C-4AAE-A49F-CA5B79B7EC30}" destId="{A8BB9D72-9F52-9446-867E-2F0DDF91C0BE}" srcOrd="0" destOrd="0" presId="urn:microsoft.com/office/officeart/2016/7/layout/BasicLinearProcessNumbered"/>
     <dgm:cxn modelId="{00DCF876-F56F-3342-83A0-B5D971FBDCB0}" type="presOf" srcId="{76DD9A35-5E6E-4512-B465-04F81DE3618F}" destId="{9807A5CE-F709-894E-AA55-40EE4A2BF982}" srcOrd="1" destOrd="0" presId="urn:microsoft.com/office/officeart/2016/7/layout/BasicLinearProcessNumbered"/>
     <dgm:cxn modelId="{91D40681-61AF-4980-9482-964F65D5F028}" srcId="{8C4D4840-C4ED-4057-9F47-1FA7A4FA071B}" destId="{31BE2F93-8E63-4553-812F-A2CACAC63901}" srcOrd="2" destOrd="0" parTransId="{2D3564C0-98E4-48F1-A9EC-31E0A2913D61}" sibTransId="{86CCC75D-4ED7-44C6-8A53-97DA24959A61}"/>
     <dgm:cxn modelId="{A8C650A7-9DBD-2E47-B158-3448EB0078EA}" type="presOf" srcId="{D6542540-89B4-4CD2-BF4F-892CC9F97389}" destId="{82BDAC87-2000-A847-B26B-A37D86D49570}" srcOrd="0" destOrd="0" presId="urn:microsoft.com/office/officeart/2016/7/layout/BasicLinearProcessNumbered"/>
@@ -1189,6 +2728,928 @@
 </file>
 
 <file path=ppt/diagrams/drawing1.xml><?xml version="1.0" encoding="utf-8"?>
+<dsp:drawing xmlns:dgm="http://schemas.openxmlformats.org/drawingml/2006/diagram" xmlns:dsp="http://schemas.microsoft.com/office/drawing/2008/diagram" xmlns:a="http://schemas.openxmlformats.org/drawingml/2006/main">
+  <dsp:spTree>
+    <dsp:nvGrpSpPr>
+      <dsp:cNvPr id="0" name=""/>
+      <dsp:cNvGrpSpPr/>
+    </dsp:nvGrpSpPr>
+    <dsp:grpSpPr/>
+    <dsp:sp modelId="{56001136-6A66-49BA-AA16-DB02CC78399F}">
+      <dsp:nvSpPr>
+        <dsp:cNvPr id="0" name=""/>
+        <dsp:cNvSpPr/>
+      </dsp:nvSpPr>
+      <dsp:spPr>
+        <a:xfrm>
+          <a:off x="0" y="1497"/>
+          <a:ext cx="4443413" cy="638090"/>
+        </a:xfrm>
+        <a:prstGeom prst="roundRect">
+          <a:avLst>
+            <a:gd name="adj" fmla="val 10000"/>
+          </a:avLst>
+        </a:prstGeom>
+        <a:solidFill>
+          <a:schemeClr val="bg1">
+            <a:lumMod val="95000"/>
+            <a:hueOff val="0"/>
+            <a:satOff val="0"/>
+            <a:lumOff val="0"/>
+            <a:alphaOff val="0"/>
+          </a:schemeClr>
+        </a:solidFill>
+        <a:ln>
+          <a:noFill/>
+        </a:ln>
+        <a:effectLst/>
+      </dsp:spPr>
+      <dsp:style>
+        <a:lnRef idx="0">
+          <a:scrgbClr r="0" g="0" b="0"/>
+        </a:lnRef>
+        <a:fillRef idx="1">
+          <a:scrgbClr r="0" g="0" b="0"/>
+        </a:fillRef>
+        <a:effectRef idx="0">
+          <a:scrgbClr r="0" g="0" b="0"/>
+        </a:effectRef>
+        <a:fontRef idx="minor"/>
+      </dsp:style>
+    </dsp:sp>
+    <dsp:sp modelId="{90EBFDB1-C51F-44AF-AF81-26E0383E0A76}">
+      <dsp:nvSpPr>
+        <dsp:cNvPr id="0" name=""/>
+        <dsp:cNvSpPr/>
+      </dsp:nvSpPr>
+      <dsp:spPr>
+        <a:xfrm>
+          <a:off x="193022" y="145067"/>
+          <a:ext cx="350949" cy="350949"/>
+        </a:xfrm>
+        <a:prstGeom prst="rect">
+          <a:avLst/>
+        </a:prstGeom>
+        <a:blipFill>
+          <a:blip xmlns:r="http://schemas.openxmlformats.org/officeDocument/2006/relationships" r:embed="rId1">
+            <a:extLst>
+              <a:ext uri="{28A0092B-C50C-407E-A947-70E740481C1C}">
+                <a14:useLocalDpi xmlns:a14="http://schemas.microsoft.com/office/drawing/2010/main" val="0"/>
+              </a:ext>
+              <a:ext uri="{96DAC541-7B7A-43D3-8B79-37D633B846F1}">
+                <asvg:svgBlip xmlns:asvg="http://schemas.microsoft.com/office/drawing/2016/SVG/main" r:embed="rId2"/>
+              </a:ext>
+            </a:extLst>
+          </a:blip>
+          <a:stretch>
+            <a:fillRect/>
+          </a:stretch>
+        </a:blipFill>
+        <a:ln w="19050" cap="flat" cmpd="sng" algn="ctr">
+          <a:noFill/>
+          <a:prstDash val="solid"/>
+        </a:ln>
+        <a:effectLst/>
+      </dsp:spPr>
+      <dsp:style>
+        <a:lnRef idx="2">
+          <a:scrgbClr r="0" g="0" b="0"/>
+        </a:lnRef>
+        <a:fillRef idx="1">
+          <a:scrgbClr r="0" g="0" b="0"/>
+        </a:fillRef>
+        <a:effectRef idx="0">
+          <a:scrgbClr r="0" g="0" b="0"/>
+        </a:effectRef>
+        <a:fontRef idx="minor">
+          <a:schemeClr val="lt1"/>
+        </a:fontRef>
+      </dsp:style>
+    </dsp:sp>
+    <dsp:sp modelId="{D494A42E-63FC-4CAC-86A4-98B60C362F78}">
+      <dsp:nvSpPr>
+        <dsp:cNvPr id="0" name=""/>
+        <dsp:cNvSpPr/>
+      </dsp:nvSpPr>
+      <dsp:spPr>
+        <a:xfrm>
+          <a:off x="736994" y="1497"/>
+          <a:ext cx="3706418" cy="638090"/>
+        </a:xfrm>
+        <a:prstGeom prst="rect">
+          <a:avLst/>
+        </a:prstGeom>
+        <a:noFill/>
+        <a:ln>
+          <a:noFill/>
+        </a:ln>
+        <a:effectLst/>
+      </dsp:spPr>
+      <dsp:style>
+        <a:lnRef idx="0">
+          <a:scrgbClr r="0" g="0" b="0"/>
+        </a:lnRef>
+        <a:fillRef idx="0">
+          <a:scrgbClr r="0" g="0" b="0"/>
+        </a:fillRef>
+        <a:effectRef idx="0">
+          <a:scrgbClr r="0" g="0" b="0"/>
+        </a:effectRef>
+        <a:fontRef idx="minor"/>
+      </dsp:style>
+      <dsp:txBody>
+        <a:bodyPr spcFirstLastPara="0" vert="horz" wrap="square" lIns="67531" tIns="67531" rIns="67531" bIns="67531" numCol="1" spcCol="1270" anchor="ctr" anchorCtr="0">
+          <a:noAutofit/>
+        </a:bodyPr>
+        <a:lstStyle/>
+        <a:p>
+          <a:pPr marL="0" lvl="0" indent="0" algn="l" defTabSz="800100">
+            <a:lnSpc>
+              <a:spcPct val="90000"/>
+            </a:lnSpc>
+            <a:spcBef>
+              <a:spcPct val="0"/>
+            </a:spcBef>
+            <a:spcAft>
+              <a:spcPct val="35000"/>
+            </a:spcAft>
+            <a:buNone/>
+          </a:pPr>
+          <a:r>
+            <a:rPr lang="en-US" sz="1800" kern="1200"/>
+            <a:t>Development will continue as features arise</a:t>
+          </a:r>
+        </a:p>
+      </dsp:txBody>
+      <dsp:txXfrm>
+        <a:off x="736994" y="1497"/>
+        <a:ext cx="3706418" cy="638090"/>
+      </dsp:txXfrm>
+    </dsp:sp>
+    <dsp:sp modelId="{7D800B1D-FDD6-4EA1-9C63-B3C5AFE51DFE}">
+      <dsp:nvSpPr>
+        <dsp:cNvPr id="0" name=""/>
+        <dsp:cNvSpPr/>
+      </dsp:nvSpPr>
+      <dsp:spPr>
+        <a:xfrm>
+          <a:off x="0" y="799110"/>
+          <a:ext cx="4443413" cy="638090"/>
+        </a:xfrm>
+        <a:prstGeom prst="roundRect">
+          <a:avLst>
+            <a:gd name="adj" fmla="val 10000"/>
+          </a:avLst>
+        </a:prstGeom>
+        <a:solidFill>
+          <a:schemeClr val="bg1">
+            <a:lumMod val="95000"/>
+            <a:hueOff val="0"/>
+            <a:satOff val="0"/>
+            <a:lumOff val="0"/>
+            <a:alphaOff val="0"/>
+          </a:schemeClr>
+        </a:solidFill>
+        <a:ln>
+          <a:noFill/>
+        </a:ln>
+        <a:effectLst/>
+      </dsp:spPr>
+      <dsp:style>
+        <a:lnRef idx="0">
+          <a:scrgbClr r="0" g="0" b="0"/>
+        </a:lnRef>
+        <a:fillRef idx="1">
+          <a:scrgbClr r="0" g="0" b="0"/>
+        </a:fillRef>
+        <a:effectRef idx="0">
+          <a:scrgbClr r="0" g="0" b="0"/>
+        </a:effectRef>
+        <a:fontRef idx="minor"/>
+      </dsp:style>
+    </dsp:sp>
+    <dsp:sp modelId="{23ACCDA3-CB54-4BDD-87B7-239A31ECF942}">
+      <dsp:nvSpPr>
+        <dsp:cNvPr id="0" name=""/>
+        <dsp:cNvSpPr/>
+      </dsp:nvSpPr>
+      <dsp:spPr>
+        <a:xfrm>
+          <a:off x="193022" y="942680"/>
+          <a:ext cx="350949" cy="350949"/>
+        </a:xfrm>
+        <a:prstGeom prst="rect">
+          <a:avLst/>
+        </a:prstGeom>
+        <a:blipFill>
+          <a:blip xmlns:r="http://schemas.openxmlformats.org/officeDocument/2006/relationships" r:embed="rId3">
+            <a:extLst>
+              <a:ext uri="{28A0092B-C50C-407E-A947-70E740481C1C}">
+                <a14:useLocalDpi xmlns:a14="http://schemas.microsoft.com/office/drawing/2010/main" val="0"/>
+              </a:ext>
+              <a:ext uri="{96DAC541-7B7A-43D3-8B79-37D633B846F1}">
+                <asvg:svgBlip xmlns:asvg="http://schemas.microsoft.com/office/drawing/2016/SVG/main" r:embed="rId4"/>
+              </a:ext>
+            </a:extLst>
+          </a:blip>
+          <a:stretch>
+            <a:fillRect/>
+          </a:stretch>
+        </a:blipFill>
+        <a:ln w="19050" cap="flat" cmpd="sng" algn="ctr">
+          <a:noFill/>
+          <a:prstDash val="solid"/>
+        </a:ln>
+        <a:effectLst/>
+      </dsp:spPr>
+      <dsp:style>
+        <a:lnRef idx="2">
+          <a:scrgbClr r="0" g="0" b="0"/>
+        </a:lnRef>
+        <a:fillRef idx="1">
+          <a:scrgbClr r="0" g="0" b="0"/>
+        </a:fillRef>
+        <a:effectRef idx="0">
+          <a:scrgbClr r="0" g="0" b="0"/>
+        </a:effectRef>
+        <a:fontRef idx="minor">
+          <a:schemeClr val="lt1"/>
+        </a:fontRef>
+      </dsp:style>
+    </dsp:sp>
+    <dsp:sp modelId="{D8EC7D79-97F2-4A7C-944C-DC6B16F46054}">
+      <dsp:nvSpPr>
+        <dsp:cNvPr id="0" name=""/>
+        <dsp:cNvSpPr/>
+      </dsp:nvSpPr>
+      <dsp:spPr>
+        <a:xfrm>
+          <a:off x="736994" y="799110"/>
+          <a:ext cx="3706418" cy="638090"/>
+        </a:xfrm>
+        <a:prstGeom prst="rect">
+          <a:avLst/>
+        </a:prstGeom>
+        <a:noFill/>
+        <a:ln>
+          <a:noFill/>
+        </a:ln>
+        <a:effectLst/>
+      </dsp:spPr>
+      <dsp:style>
+        <a:lnRef idx="0">
+          <a:scrgbClr r="0" g="0" b="0"/>
+        </a:lnRef>
+        <a:fillRef idx="0">
+          <a:scrgbClr r="0" g="0" b="0"/>
+        </a:fillRef>
+        <a:effectRef idx="0">
+          <a:scrgbClr r="0" g="0" b="0"/>
+        </a:effectRef>
+        <a:fontRef idx="minor"/>
+      </dsp:style>
+      <dsp:txBody>
+        <a:bodyPr spcFirstLastPara="0" vert="horz" wrap="square" lIns="67531" tIns="67531" rIns="67531" bIns="67531" numCol="1" spcCol="1270" anchor="ctr" anchorCtr="0">
+          <a:noAutofit/>
+        </a:bodyPr>
+        <a:lstStyle/>
+        <a:p>
+          <a:pPr marL="0" lvl="0" indent="0" algn="l" defTabSz="800100">
+            <a:lnSpc>
+              <a:spcPct val="90000"/>
+            </a:lnSpc>
+            <a:spcBef>
+              <a:spcPct val="0"/>
+            </a:spcBef>
+            <a:spcAft>
+              <a:spcPct val="35000"/>
+            </a:spcAft>
+            <a:buNone/>
+          </a:pPr>
+          <a:r>
+            <a:rPr lang="en-GB" sz="1800" kern="1200"/>
+            <a:t>UI will continue to improve</a:t>
+          </a:r>
+          <a:endParaRPr lang="en-US" sz="1800" kern="1200"/>
+        </a:p>
+      </dsp:txBody>
+      <dsp:txXfrm>
+        <a:off x="736994" y="799110"/>
+        <a:ext cx="3706418" cy="638090"/>
+      </dsp:txXfrm>
+    </dsp:sp>
+    <dsp:sp modelId="{D784F477-A0A1-44F2-8FAE-E769FAAAFDEC}">
+      <dsp:nvSpPr>
+        <dsp:cNvPr id="0" name=""/>
+        <dsp:cNvSpPr/>
+      </dsp:nvSpPr>
+      <dsp:spPr>
+        <a:xfrm>
+          <a:off x="0" y="1596723"/>
+          <a:ext cx="4443413" cy="638090"/>
+        </a:xfrm>
+        <a:prstGeom prst="roundRect">
+          <a:avLst>
+            <a:gd name="adj" fmla="val 10000"/>
+          </a:avLst>
+        </a:prstGeom>
+        <a:solidFill>
+          <a:schemeClr val="bg1">
+            <a:lumMod val="95000"/>
+            <a:hueOff val="0"/>
+            <a:satOff val="0"/>
+            <a:lumOff val="0"/>
+            <a:alphaOff val="0"/>
+          </a:schemeClr>
+        </a:solidFill>
+        <a:ln>
+          <a:noFill/>
+        </a:ln>
+        <a:effectLst/>
+      </dsp:spPr>
+      <dsp:style>
+        <a:lnRef idx="0">
+          <a:scrgbClr r="0" g="0" b="0"/>
+        </a:lnRef>
+        <a:fillRef idx="1">
+          <a:scrgbClr r="0" g="0" b="0"/>
+        </a:fillRef>
+        <a:effectRef idx="0">
+          <a:scrgbClr r="0" g="0" b="0"/>
+        </a:effectRef>
+        <a:fontRef idx="minor"/>
+      </dsp:style>
+    </dsp:sp>
+    <dsp:sp modelId="{3AF062CC-B4E4-4E4E-89EE-25C8C57C005D}">
+      <dsp:nvSpPr>
+        <dsp:cNvPr id="0" name=""/>
+        <dsp:cNvSpPr/>
+      </dsp:nvSpPr>
+      <dsp:spPr>
+        <a:xfrm>
+          <a:off x="193022" y="1740293"/>
+          <a:ext cx="350949" cy="350949"/>
+        </a:xfrm>
+        <a:prstGeom prst="rect">
+          <a:avLst/>
+        </a:prstGeom>
+        <a:blipFill>
+          <a:blip xmlns:r="http://schemas.openxmlformats.org/officeDocument/2006/relationships" r:embed="rId5">
+            <a:extLst>
+              <a:ext uri="{28A0092B-C50C-407E-A947-70E740481C1C}">
+                <a14:useLocalDpi xmlns:a14="http://schemas.microsoft.com/office/drawing/2010/main" val="0"/>
+              </a:ext>
+              <a:ext uri="{96DAC541-7B7A-43D3-8B79-37D633B846F1}">
+                <asvg:svgBlip xmlns:asvg="http://schemas.microsoft.com/office/drawing/2016/SVG/main" r:embed="rId6"/>
+              </a:ext>
+            </a:extLst>
+          </a:blip>
+          <a:stretch>
+            <a:fillRect/>
+          </a:stretch>
+        </a:blipFill>
+        <a:ln w="19050" cap="flat" cmpd="sng" algn="ctr">
+          <a:noFill/>
+          <a:prstDash val="solid"/>
+        </a:ln>
+        <a:effectLst/>
+      </dsp:spPr>
+      <dsp:style>
+        <a:lnRef idx="2">
+          <a:scrgbClr r="0" g="0" b="0"/>
+        </a:lnRef>
+        <a:fillRef idx="1">
+          <a:scrgbClr r="0" g="0" b="0"/>
+        </a:fillRef>
+        <a:effectRef idx="0">
+          <a:scrgbClr r="0" g="0" b="0"/>
+        </a:effectRef>
+        <a:fontRef idx="minor">
+          <a:schemeClr val="lt1"/>
+        </a:fontRef>
+      </dsp:style>
+    </dsp:sp>
+    <dsp:sp modelId="{417CCB69-A9B3-46E0-B9B1-731E54FF745F}">
+      <dsp:nvSpPr>
+        <dsp:cNvPr id="0" name=""/>
+        <dsp:cNvSpPr/>
+      </dsp:nvSpPr>
+      <dsp:spPr>
+        <a:xfrm>
+          <a:off x="736994" y="1596723"/>
+          <a:ext cx="3706418" cy="638090"/>
+        </a:xfrm>
+        <a:prstGeom prst="rect">
+          <a:avLst/>
+        </a:prstGeom>
+        <a:noFill/>
+        <a:ln>
+          <a:noFill/>
+        </a:ln>
+        <a:effectLst/>
+      </dsp:spPr>
+      <dsp:style>
+        <a:lnRef idx="0">
+          <a:scrgbClr r="0" g="0" b="0"/>
+        </a:lnRef>
+        <a:fillRef idx="0">
+          <a:scrgbClr r="0" g="0" b="0"/>
+        </a:fillRef>
+        <a:effectRef idx="0">
+          <a:scrgbClr r="0" g="0" b="0"/>
+        </a:effectRef>
+        <a:fontRef idx="minor"/>
+      </dsp:style>
+      <dsp:txBody>
+        <a:bodyPr spcFirstLastPara="0" vert="horz" wrap="square" lIns="67531" tIns="67531" rIns="67531" bIns="67531" numCol="1" spcCol="1270" anchor="ctr" anchorCtr="0">
+          <a:noAutofit/>
+        </a:bodyPr>
+        <a:lstStyle/>
+        <a:p>
+          <a:pPr marL="0" lvl="0" indent="0" algn="l" defTabSz="800100">
+            <a:lnSpc>
+              <a:spcPct val="90000"/>
+            </a:lnSpc>
+            <a:spcBef>
+              <a:spcPct val="0"/>
+            </a:spcBef>
+            <a:spcAft>
+              <a:spcPct val="35000"/>
+            </a:spcAft>
+            <a:buNone/>
+          </a:pPr>
+          <a:r>
+            <a:rPr lang="en-GB" sz="1800" kern="1200"/>
+            <a:t>System backend can be improved to reduce latency</a:t>
+          </a:r>
+          <a:endParaRPr lang="en-US" sz="1800" kern="1200"/>
+        </a:p>
+      </dsp:txBody>
+      <dsp:txXfrm>
+        <a:off x="736994" y="1596723"/>
+        <a:ext cx="3706418" cy="638090"/>
+      </dsp:txXfrm>
+    </dsp:sp>
+    <dsp:sp modelId="{98FC7ECD-2AD6-4AA7-B334-83E84FD77C2A}">
+      <dsp:nvSpPr>
+        <dsp:cNvPr id="0" name=""/>
+        <dsp:cNvSpPr/>
+      </dsp:nvSpPr>
+      <dsp:spPr>
+        <a:xfrm>
+          <a:off x="0" y="2394336"/>
+          <a:ext cx="4443413" cy="638090"/>
+        </a:xfrm>
+        <a:prstGeom prst="roundRect">
+          <a:avLst>
+            <a:gd name="adj" fmla="val 10000"/>
+          </a:avLst>
+        </a:prstGeom>
+        <a:solidFill>
+          <a:schemeClr val="bg1">
+            <a:lumMod val="95000"/>
+            <a:hueOff val="0"/>
+            <a:satOff val="0"/>
+            <a:lumOff val="0"/>
+            <a:alphaOff val="0"/>
+          </a:schemeClr>
+        </a:solidFill>
+        <a:ln>
+          <a:noFill/>
+        </a:ln>
+        <a:effectLst/>
+      </dsp:spPr>
+      <dsp:style>
+        <a:lnRef idx="0">
+          <a:scrgbClr r="0" g="0" b="0"/>
+        </a:lnRef>
+        <a:fillRef idx="1">
+          <a:scrgbClr r="0" g="0" b="0"/>
+        </a:fillRef>
+        <a:effectRef idx="0">
+          <a:scrgbClr r="0" g="0" b="0"/>
+        </a:effectRef>
+        <a:fontRef idx="minor"/>
+      </dsp:style>
+    </dsp:sp>
+    <dsp:sp modelId="{9BFC0E25-1ADF-4C52-B1ED-AA2799D1CA61}">
+      <dsp:nvSpPr>
+        <dsp:cNvPr id="0" name=""/>
+        <dsp:cNvSpPr/>
+      </dsp:nvSpPr>
+      <dsp:spPr>
+        <a:xfrm>
+          <a:off x="193022" y="2537906"/>
+          <a:ext cx="350949" cy="350949"/>
+        </a:xfrm>
+        <a:prstGeom prst="rect">
+          <a:avLst/>
+        </a:prstGeom>
+        <a:blipFill>
+          <a:blip xmlns:r="http://schemas.openxmlformats.org/officeDocument/2006/relationships" r:embed="rId7">
+            <a:extLst>
+              <a:ext uri="{28A0092B-C50C-407E-A947-70E740481C1C}">
+                <a14:useLocalDpi xmlns:a14="http://schemas.microsoft.com/office/drawing/2010/main" val="0"/>
+              </a:ext>
+              <a:ext uri="{96DAC541-7B7A-43D3-8B79-37D633B846F1}">
+                <asvg:svgBlip xmlns:asvg="http://schemas.microsoft.com/office/drawing/2016/SVG/main" r:embed="rId8"/>
+              </a:ext>
+            </a:extLst>
+          </a:blip>
+          <a:stretch>
+            <a:fillRect/>
+          </a:stretch>
+        </a:blipFill>
+        <a:ln w="19050" cap="flat" cmpd="sng" algn="ctr">
+          <a:noFill/>
+          <a:prstDash val="solid"/>
+        </a:ln>
+        <a:effectLst/>
+      </dsp:spPr>
+      <dsp:style>
+        <a:lnRef idx="2">
+          <a:scrgbClr r="0" g="0" b="0"/>
+        </a:lnRef>
+        <a:fillRef idx="1">
+          <a:scrgbClr r="0" g="0" b="0"/>
+        </a:fillRef>
+        <a:effectRef idx="0">
+          <a:scrgbClr r="0" g="0" b="0"/>
+        </a:effectRef>
+        <a:fontRef idx="minor">
+          <a:schemeClr val="lt1"/>
+        </a:fontRef>
+      </dsp:style>
+    </dsp:sp>
+    <dsp:sp modelId="{5CF6F889-17AA-4EB8-9F29-8DE08CF8F2EF}">
+      <dsp:nvSpPr>
+        <dsp:cNvPr id="0" name=""/>
+        <dsp:cNvSpPr/>
+      </dsp:nvSpPr>
+      <dsp:spPr>
+        <a:xfrm>
+          <a:off x="736994" y="2394336"/>
+          <a:ext cx="3706418" cy="638090"/>
+        </a:xfrm>
+        <a:prstGeom prst="rect">
+          <a:avLst/>
+        </a:prstGeom>
+        <a:noFill/>
+        <a:ln>
+          <a:noFill/>
+        </a:ln>
+        <a:effectLst/>
+      </dsp:spPr>
+      <dsp:style>
+        <a:lnRef idx="0">
+          <a:scrgbClr r="0" g="0" b="0"/>
+        </a:lnRef>
+        <a:fillRef idx="0">
+          <a:scrgbClr r="0" g="0" b="0"/>
+        </a:fillRef>
+        <a:effectRef idx="0">
+          <a:scrgbClr r="0" g="0" b="0"/>
+        </a:effectRef>
+        <a:fontRef idx="minor"/>
+      </dsp:style>
+      <dsp:txBody>
+        <a:bodyPr spcFirstLastPara="0" vert="horz" wrap="square" lIns="67531" tIns="67531" rIns="67531" bIns="67531" numCol="1" spcCol="1270" anchor="ctr" anchorCtr="0">
+          <a:noAutofit/>
+        </a:bodyPr>
+        <a:lstStyle/>
+        <a:p>
+          <a:pPr marL="0" lvl="0" indent="0" algn="l" defTabSz="800100">
+            <a:lnSpc>
+              <a:spcPct val="90000"/>
+            </a:lnSpc>
+            <a:spcBef>
+              <a:spcPct val="0"/>
+            </a:spcBef>
+            <a:spcAft>
+              <a:spcPct val="35000"/>
+            </a:spcAft>
+            <a:buNone/>
+          </a:pPr>
+          <a:r>
+            <a:rPr lang="en-GB" sz="1800" kern="1200"/>
+            <a:t>Cornell method to be integrated</a:t>
+          </a:r>
+          <a:endParaRPr lang="en-US" sz="1800" kern="1200"/>
+        </a:p>
+      </dsp:txBody>
+      <dsp:txXfrm>
+        <a:off x="736994" y="2394336"/>
+        <a:ext cx="3706418" cy="638090"/>
+      </dsp:txXfrm>
+    </dsp:sp>
+    <dsp:sp modelId="{59F9C225-E501-41F4-98EA-47FDF11F961F}">
+      <dsp:nvSpPr>
+        <dsp:cNvPr id="0" name=""/>
+        <dsp:cNvSpPr/>
+      </dsp:nvSpPr>
+      <dsp:spPr>
+        <a:xfrm>
+          <a:off x="0" y="3191949"/>
+          <a:ext cx="4443413" cy="638090"/>
+        </a:xfrm>
+        <a:prstGeom prst="roundRect">
+          <a:avLst>
+            <a:gd name="adj" fmla="val 10000"/>
+          </a:avLst>
+        </a:prstGeom>
+        <a:solidFill>
+          <a:schemeClr val="bg1">
+            <a:lumMod val="95000"/>
+            <a:hueOff val="0"/>
+            <a:satOff val="0"/>
+            <a:lumOff val="0"/>
+            <a:alphaOff val="0"/>
+          </a:schemeClr>
+        </a:solidFill>
+        <a:ln>
+          <a:noFill/>
+        </a:ln>
+        <a:effectLst/>
+      </dsp:spPr>
+      <dsp:style>
+        <a:lnRef idx="0">
+          <a:scrgbClr r="0" g="0" b="0"/>
+        </a:lnRef>
+        <a:fillRef idx="1">
+          <a:scrgbClr r="0" g="0" b="0"/>
+        </a:fillRef>
+        <a:effectRef idx="0">
+          <a:scrgbClr r="0" g="0" b="0"/>
+        </a:effectRef>
+        <a:fontRef idx="minor"/>
+      </dsp:style>
+    </dsp:sp>
+    <dsp:sp modelId="{254E823B-624D-42A3-ADFF-4E8E90D506BB}">
+      <dsp:nvSpPr>
+        <dsp:cNvPr id="0" name=""/>
+        <dsp:cNvSpPr/>
+      </dsp:nvSpPr>
+      <dsp:spPr>
+        <a:xfrm>
+          <a:off x="193022" y="3335519"/>
+          <a:ext cx="350949" cy="350949"/>
+        </a:xfrm>
+        <a:prstGeom prst="rect">
+          <a:avLst/>
+        </a:prstGeom>
+        <a:blipFill>
+          <a:blip xmlns:r="http://schemas.openxmlformats.org/officeDocument/2006/relationships" r:embed="rId9">
+            <a:extLst>
+              <a:ext uri="{28A0092B-C50C-407E-A947-70E740481C1C}">
+                <a14:useLocalDpi xmlns:a14="http://schemas.microsoft.com/office/drawing/2010/main" val="0"/>
+              </a:ext>
+              <a:ext uri="{96DAC541-7B7A-43D3-8B79-37D633B846F1}">
+                <asvg:svgBlip xmlns:asvg="http://schemas.microsoft.com/office/drawing/2016/SVG/main" r:embed="rId10"/>
+              </a:ext>
+            </a:extLst>
+          </a:blip>
+          <a:stretch>
+            <a:fillRect/>
+          </a:stretch>
+        </a:blipFill>
+        <a:ln w="19050" cap="flat" cmpd="sng" algn="ctr">
+          <a:noFill/>
+          <a:prstDash val="solid"/>
+        </a:ln>
+        <a:effectLst/>
+      </dsp:spPr>
+      <dsp:style>
+        <a:lnRef idx="2">
+          <a:scrgbClr r="0" g="0" b="0"/>
+        </a:lnRef>
+        <a:fillRef idx="1">
+          <a:scrgbClr r="0" g="0" b="0"/>
+        </a:fillRef>
+        <a:effectRef idx="0">
+          <a:scrgbClr r="0" g="0" b="0"/>
+        </a:effectRef>
+        <a:fontRef idx="minor">
+          <a:schemeClr val="lt1"/>
+        </a:fontRef>
+      </dsp:style>
+    </dsp:sp>
+    <dsp:sp modelId="{C8A8D391-E84A-4E6A-B70F-FF27E46A3FA1}">
+      <dsp:nvSpPr>
+        <dsp:cNvPr id="0" name=""/>
+        <dsp:cNvSpPr/>
+      </dsp:nvSpPr>
+      <dsp:spPr>
+        <a:xfrm>
+          <a:off x="736994" y="3191949"/>
+          <a:ext cx="3706418" cy="638090"/>
+        </a:xfrm>
+        <a:prstGeom prst="rect">
+          <a:avLst/>
+        </a:prstGeom>
+        <a:noFill/>
+        <a:ln>
+          <a:noFill/>
+        </a:ln>
+        <a:effectLst/>
+      </dsp:spPr>
+      <dsp:style>
+        <a:lnRef idx="0">
+          <a:scrgbClr r="0" g="0" b="0"/>
+        </a:lnRef>
+        <a:fillRef idx="0">
+          <a:scrgbClr r="0" g="0" b="0"/>
+        </a:fillRef>
+        <a:effectRef idx="0">
+          <a:scrgbClr r="0" g="0" b="0"/>
+        </a:effectRef>
+        <a:fontRef idx="minor"/>
+      </dsp:style>
+      <dsp:txBody>
+        <a:bodyPr spcFirstLastPara="0" vert="horz" wrap="square" lIns="67531" tIns="67531" rIns="67531" bIns="67531" numCol="1" spcCol="1270" anchor="ctr" anchorCtr="0">
+          <a:noAutofit/>
+        </a:bodyPr>
+        <a:lstStyle/>
+        <a:p>
+          <a:pPr marL="0" lvl="0" indent="0" algn="l" defTabSz="800100">
+            <a:lnSpc>
+              <a:spcPct val="90000"/>
+            </a:lnSpc>
+            <a:spcBef>
+              <a:spcPct val="0"/>
+            </a:spcBef>
+            <a:spcAft>
+              <a:spcPct val="35000"/>
+            </a:spcAft>
+            <a:buNone/>
+          </a:pPr>
+          <a:r>
+            <a:rPr lang="en-GB" sz="1800" kern="1200"/>
+            <a:t>Evaluation cycles</a:t>
+          </a:r>
+          <a:endParaRPr lang="en-US" sz="1800" kern="1200"/>
+        </a:p>
+      </dsp:txBody>
+      <dsp:txXfrm>
+        <a:off x="736994" y="3191949"/>
+        <a:ext cx="3706418" cy="638090"/>
+      </dsp:txXfrm>
+    </dsp:sp>
+    <dsp:sp modelId="{A95A46B9-BF1B-4704-ACC7-6D7CD3E09ABD}">
+      <dsp:nvSpPr>
+        <dsp:cNvPr id="0" name=""/>
+        <dsp:cNvSpPr/>
+      </dsp:nvSpPr>
+      <dsp:spPr>
+        <a:xfrm>
+          <a:off x="0" y="3989562"/>
+          <a:ext cx="4443413" cy="638090"/>
+        </a:xfrm>
+        <a:prstGeom prst="roundRect">
+          <a:avLst>
+            <a:gd name="adj" fmla="val 10000"/>
+          </a:avLst>
+        </a:prstGeom>
+        <a:solidFill>
+          <a:schemeClr val="bg1">
+            <a:lumMod val="95000"/>
+            <a:hueOff val="0"/>
+            <a:satOff val="0"/>
+            <a:lumOff val="0"/>
+            <a:alphaOff val="0"/>
+          </a:schemeClr>
+        </a:solidFill>
+        <a:ln>
+          <a:noFill/>
+        </a:ln>
+        <a:effectLst/>
+      </dsp:spPr>
+      <dsp:style>
+        <a:lnRef idx="0">
+          <a:scrgbClr r="0" g="0" b="0"/>
+        </a:lnRef>
+        <a:fillRef idx="1">
+          <a:scrgbClr r="0" g="0" b="0"/>
+        </a:fillRef>
+        <a:effectRef idx="0">
+          <a:scrgbClr r="0" g="0" b="0"/>
+        </a:effectRef>
+        <a:fontRef idx="minor"/>
+      </dsp:style>
+    </dsp:sp>
+    <dsp:sp modelId="{7514CD47-B801-4F79-A54E-A9FE36F57470}">
+      <dsp:nvSpPr>
+        <dsp:cNvPr id="0" name=""/>
+        <dsp:cNvSpPr/>
+      </dsp:nvSpPr>
+      <dsp:spPr>
+        <a:xfrm>
+          <a:off x="193022" y="4133132"/>
+          <a:ext cx="350949" cy="350949"/>
+        </a:xfrm>
+        <a:prstGeom prst="rect">
+          <a:avLst/>
+        </a:prstGeom>
+        <a:blipFill>
+          <a:blip xmlns:r="http://schemas.openxmlformats.org/officeDocument/2006/relationships" r:embed="rId11">
+            <a:extLst>
+              <a:ext uri="{28A0092B-C50C-407E-A947-70E740481C1C}">
+                <a14:useLocalDpi xmlns:a14="http://schemas.microsoft.com/office/drawing/2010/main" val="0"/>
+              </a:ext>
+              <a:ext uri="{96DAC541-7B7A-43D3-8B79-37D633B846F1}">
+                <asvg:svgBlip xmlns:asvg="http://schemas.microsoft.com/office/drawing/2016/SVG/main" r:embed="rId12"/>
+              </a:ext>
+            </a:extLst>
+          </a:blip>
+          <a:stretch>
+            <a:fillRect/>
+          </a:stretch>
+        </a:blipFill>
+        <a:ln w="19050" cap="flat" cmpd="sng" algn="ctr">
+          <a:noFill/>
+          <a:prstDash val="solid"/>
+        </a:ln>
+        <a:effectLst/>
+      </dsp:spPr>
+      <dsp:style>
+        <a:lnRef idx="2">
+          <a:scrgbClr r="0" g="0" b="0"/>
+        </a:lnRef>
+        <a:fillRef idx="1">
+          <a:scrgbClr r="0" g="0" b="0"/>
+        </a:fillRef>
+        <a:effectRef idx="0">
+          <a:scrgbClr r="0" g="0" b="0"/>
+        </a:effectRef>
+        <a:fontRef idx="minor">
+          <a:schemeClr val="lt1"/>
+        </a:fontRef>
+      </dsp:style>
+    </dsp:sp>
+    <dsp:sp modelId="{DF436EDB-1B12-4C44-90FC-1C359CD757CD}">
+      <dsp:nvSpPr>
+        <dsp:cNvPr id="0" name=""/>
+        <dsp:cNvSpPr/>
+      </dsp:nvSpPr>
+      <dsp:spPr>
+        <a:xfrm>
+          <a:off x="736994" y="3989562"/>
+          <a:ext cx="3706418" cy="638090"/>
+        </a:xfrm>
+        <a:prstGeom prst="rect">
+          <a:avLst/>
+        </a:prstGeom>
+        <a:noFill/>
+        <a:ln>
+          <a:noFill/>
+        </a:ln>
+        <a:effectLst/>
+      </dsp:spPr>
+      <dsp:style>
+        <a:lnRef idx="0">
+          <a:scrgbClr r="0" g="0" b="0"/>
+        </a:lnRef>
+        <a:fillRef idx="0">
+          <a:scrgbClr r="0" g="0" b="0"/>
+        </a:fillRef>
+        <a:effectRef idx="0">
+          <a:scrgbClr r="0" g="0" b="0"/>
+        </a:effectRef>
+        <a:fontRef idx="minor"/>
+      </dsp:style>
+      <dsp:txBody>
+        <a:bodyPr spcFirstLastPara="0" vert="horz" wrap="square" lIns="67531" tIns="67531" rIns="67531" bIns="67531" numCol="1" spcCol="1270" anchor="ctr" anchorCtr="0">
+          <a:noAutofit/>
+        </a:bodyPr>
+        <a:lstStyle/>
+        <a:p>
+          <a:pPr marL="0" lvl="0" indent="0" algn="l" defTabSz="800100">
+            <a:lnSpc>
+              <a:spcPct val="90000"/>
+            </a:lnSpc>
+            <a:spcBef>
+              <a:spcPct val="0"/>
+            </a:spcBef>
+            <a:spcAft>
+              <a:spcPct val="35000"/>
+            </a:spcAft>
+            <a:buNone/>
+          </a:pPr>
+          <a:r>
+            <a:rPr lang="en-US" sz="1800" kern="1200" dirty="0"/>
+            <a:t>Use local LLM</a:t>
+          </a:r>
+        </a:p>
+      </dsp:txBody>
+      <dsp:txXfrm>
+        <a:off x="736994" y="3989562"/>
+        <a:ext cx="3706418" cy="638090"/>
+      </dsp:txXfrm>
+    </dsp:sp>
+  </dsp:spTree>
+</dsp:drawing>
+</file>
+
+<file path=ppt/diagrams/drawing2.xml><?xml version="1.0" encoding="utf-8"?>
 <dsp:drawing xmlns:dgm="http://schemas.openxmlformats.org/drawingml/2006/diagram" xmlns:dsp="http://schemas.microsoft.com/office/drawing/2008/diagram" xmlns:a="http://schemas.openxmlformats.org/drawingml/2006/main">
   <dsp:spTree>
     <dsp:nvGrpSpPr>
@@ -1817,6 +4278,300 @@
 </file>
 
 <file path=ppt/diagrams/layout1.xml><?xml version="1.0" encoding="utf-8"?>
+<dgm:layoutDef xmlns:dgm="http://schemas.openxmlformats.org/drawingml/2006/diagram" xmlns:a="http://schemas.openxmlformats.org/drawingml/2006/main" uniqueId="urn:microsoft.com/office/officeart/2018/2/layout/IconVerticalSolidList">
+  <dgm:title val="Icon Vertical Solid List"/>
+  <dgm:desc val="Use to show a series of visuals from top to bottom with Level 1 or Level 1 and Level 2 text grouped in a shape. Works best with icons or small pictures with lengthier descriptions."/>
+  <dgm:catLst>
+    <dgm:cat type="icon" pri="500"/>
+  </dgm:catLst>
+  <dgm:sampData useDef="1">
+    <dgm:dataModel>
+      <dgm:ptLst/>
+      <dgm:bg/>
+      <dgm:whole/>
+    </dgm:dataModel>
+  </dgm:sampData>
+  <dgm:styleData useDef="1">
+    <dgm:dataModel>
+      <dgm:ptLst/>
+      <dgm:bg/>
+      <dgm:whole/>
+    </dgm:dataModel>
+  </dgm:styleData>
+  <dgm:clrData useDef="1">
+    <dgm:dataModel>
+      <dgm:ptLst/>
+      <dgm:bg/>
+      <dgm:whole/>
+    </dgm:dataModel>
+  </dgm:clrData>
+  <dgm:layoutNode name="root">
+    <dgm:varLst>
+      <dgm:dir/>
+      <dgm:resizeHandles val="exact"/>
+    </dgm:varLst>
+    <dgm:choose name="Name0">
+      <dgm:if name="Name1" axis="self" func="var" arg="dir" op="equ" val="norm">
+        <dgm:alg type="lin">
+          <dgm:param type="linDir" val="fromT"/>
+          <dgm:param type="nodeHorzAlign" val="l"/>
+        </dgm:alg>
+      </dgm:if>
+      <dgm:else name="Name2">
+        <dgm:alg type="lin">
+          <dgm:param type="linDir" val="fromT"/>
+          <dgm:param type="nodeHorzAlign" val="r"/>
+        </dgm:alg>
+      </dgm:else>
+    </dgm:choose>
+    <dgm:shape xmlns:r="http://schemas.openxmlformats.org/officeDocument/2006/relationships" r:blip="">
+      <dgm:adjLst/>
+    </dgm:shape>
+    <dgm:presOf/>
+    <dgm:choose name="Name3">
+      <dgm:if name="Name4" axis="ch" ptType="node" func="cnt" op="lte" val="3">
+        <dgm:constrLst>
+          <dgm:constr type="h" for="ch" forName="compNode" refType="h" fact="0.3"/>
+          <dgm:constr type="w" for="ch" forName="compNode" refType="w"/>
+          <dgm:constr type="h" for="ch" forName="sibTrans" refType="h" refFor="ch" refForName="compNode" fact="0.25"/>
+          <dgm:constr type="primFontSz" for="des" forName="parTx" val="25"/>
+          <dgm:constr type="primFontSz" for="des" forName="desTx" refType="primFontSz" refFor="des" refForName="parTx" op="lte" fact="0.75"/>
+          <dgm:constr type="h" for="des" forName="compNode" op="equ"/>
+          <dgm:constr type="h" for="des" forName="bgRect" op="equ"/>
+          <dgm:constr type="h" for="des" forName="iconRect" op="equ"/>
+          <dgm:constr type="w" for="des" forName="iconRect" op="equ"/>
+          <dgm:constr type="h" for="des" forName="spaceRect" op="equ"/>
+          <dgm:constr type="h" for="des" forName="parTx" op="equ"/>
+          <dgm:constr type="h" for="des" forName="desTx" op="equ"/>
+        </dgm:constrLst>
+      </dgm:if>
+      <dgm:if name="Name5" axis="ch" ptType="node" func="cnt" op="lte" val="4">
+        <dgm:constrLst>
+          <dgm:constr type="h" for="ch" forName="compNode" refType="h" fact="0.3"/>
+          <dgm:constr type="w" for="ch" forName="compNode" refType="w"/>
+          <dgm:constr type="h" for="ch" forName="sibTrans" refType="h" refFor="ch" refForName="compNode" fact="0.25"/>
+          <dgm:constr type="primFontSz" for="des" forName="parTx" val="22"/>
+          <dgm:constr type="primFontSz" for="des" forName="desTx" refType="primFontSz" refFor="des" refForName="parTx" op="lte" fact="0.75"/>
+          <dgm:constr type="h" for="des" forName="compNode" op="equ"/>
+          <dgm:constr type="h" for="des" forName="bgRect" op="equ"/>
+          <dgm:constr type="h" for="des" forName="iconRect" op="equ"/>
+          <dgm:constr type="w" for="des" forName="iconRect" op="equ"/>
+          <dgm:constr type="h" for="des" forName="spaceRect" op="equ"/>
+          <dgm:constr type="h" for="des" forName="parTx" op="equ"/>
+          <dgm:constr type="h" for="des" forName="desTx" op="equ"/>
+        </dgm:constrLst>
+      </dgm:if>
+      <dgm:if name="Name6" axis="ch" ptType="node" func="cnt" op="lte" val="6">
+        <dgm:constrLst>
+          <dgm:constr type="h" for="ch" forName="compNode" refType="h" fact="0.3"/>
+          <dgm:constr type="w" for="ch" forName="compNode" refType="w"/>
+          <dgm:constr type="h" for="ch" forName="sibTrans" refType="h" refFor="ch" refForName="compNode" fact="0.25"/>
+          <dgm:constr type="primFontSz" for="des" forName="parTx" val="19"/>
+          <dgm:constr type="primFontSz" for="des" forName="desTx" refType="primFontSz" refFor="des" refForName="parTx" op="lte" fact="0.75"/>
+          <dgm:constr type="h" for="des" forName="compNode" op="equ"/>
+          <dgm:constr type="h" for="des" forName="bgRect" op="equ"/>
+          <dgm:constr type="h" for="des" forName="iconRect" op="equ"/>
+          <dgm:constr type="w" for="des" forName="iconRect" op="equ"/>
+          <dgm:constr type="h" for="des" forName="spaceRect" op="equ"/>
+          <dgm:constr type="h" for="des" forName="parTx" op="equ"/>
+          <dgm:constr type="h" for="des" forName="desTx" op="equ"/>
+        </dgm:constrLst>
+      </dgm:if>
+      <dgm:else name="Name7">
+        <dgm:constrLst>
+          <dgm:constr type="h" for="ch" forName="compNode" refType="h" fact="0.3"/>
+          <dgm:constr type="w" for="ch" forName="compNode" refType="w"/>
+          <dgm:constr type="h" for="ch" forName="sibTrans" refType="h" refFor="ch" refForName="compNode" fact="0.25"/>
+          <dgm:constr type="primFontSz" for="des" forName="parTx" val="16"/>
+          <dgm:constr type="primFontSz" for="des" forName="desTx" refType="primFontSz" refFor="des" refForName="parTx" op="lte" fact="0.75"/>
+          <dgm:constr type="h" for="des" forName="compNode" op="equ"/>
+          <dgm:constr type="h" for="des" forName="bgRect" op="equ"/>
+          <dgm:constr type="h" for="des" forName="iconRect" op="equ"/>
+          <dgm:constr type="w" for="des" forName="iconRect" op="equ"/>
+          <dgm:constr type="h" for="des" forName="spaceRect" op="equ"/>
+          <dgm:constr type="h" for="des" forName="parTx" op="equ"/>
+          <dgm:constr type="h" for="des" forName="desTx" op="equ"/>
+        </dgm:constrLst>
+      </dgm:else>
+    </dgm:choose>
+    <dgm:ruleLst>
+      <dgm:rule type="h" for="ch" forName="compNode" val="0" fact="NaN" max="NaN"/>
+    </dgm:ruleLst>
+    <dgm:forEach name="Name8" axis="ch" ptType="node">
+      <dgm:layoutNode name="compNode">
+        <dgm:alg type="composite"/>
+        <dgm:shape xmlns:r="http://schemas.openxmlformats.org/officeDocument/2006/relationships" r:blip="">
+          <dgm:adjLst/>
+        </dgm:shape>
+        <dgm:presOf axis="self"/>
+        <dgm:choose name="Name9">
+          <dgm:if name="Name10" axis="ch" ptType="node" func="cnt" op="gte" val="1">
+            <dgm:constrLst>
+              <dgm:constr type="w" for="ch" forName="bgRect" refType="w"/>
+              <dgm:constr type="h" for="ch" forName="bgRect" refType="h"/>
+              <dgm:constr type="l" for="ch" forName="bgRect"/>
+              <dgm:constr type="t" for="ch" forName="bgRect"/>
+              <dgm:constr type="h" for="ch" forName="iconRect" refType="h" fact="0.55"/>
+              <dgm:constr type="w" for="ch" forName="iconRect" refType="h" refFor="ch" refForName="iconRect"/>
+              <dgm:constr type="l" for="ch" forName="iconRect" refType="h" refFor="ch" refForName="iconRect" fact="0.55"/>
+              <dgm:constr type="ctrY" for="ch" forName="iconRect" refType="ctrY" refFor="ch" refForName="bgRect"/>
+              <dgm:constr type="w" for="ch" forName="spaceRect" refType="l" refFor="ch" refForName="iconRect"/>
+              <dgm:constr type="h" for="ch" forName="spaceRect" refType="h"/>
+              <dgm:constr type="l" for="ch" forName="spaceRect" refType="r" refFor="ch" refForName="iconRect"/>
+              <dgm:constr type="t" for="ch" forName="spaceRect"/>
+              <dgm:constr type="w" for="ch" forName="parTx" refType="w" fact="0.45"/>
+              <dgm:constr type="h" for="ch" forName="parTx" refType="h"/>
+              <dgm:constr type="l" for="ch" forName="parTx" refType="r" refFor="ch" refForName="spaceRect"/>
+              <dgm:constr type="t" for="ch" forName="parTx"/>
+              <dgm:constr type="h" for="ch" forName="desTx" refType="h"/>
+              <dgm:constr type="l" for="ch" forName="desTx" refType="r" refFor="ch" refForName="parTx"/>
+              <dgm:constr type="t" for="ch" forName="desTx"/>
+            </dgm:constrLst>
+          </dgm:if>
+          <dgm:else name="Name11">
+            <dgm:constrLst>
+              <dgm:constr type="w" for="ch" forName="bgRect" refType="w"/>
+              <dgm:constr type="h" for="ch" forName="bgRect" refType="h"/>
+              <dgm:constr type="l" for="ch" forName="bgRect"/>
+              <dgm:constr type="t" for="ch" forName="bgRect"/>
+              <dgm:constr type="h" for="ch" forName="iconRect" refType="h" fact="0.55"/>
+              <dgm:constr type="w" for="ch" forName="iconRect" refType="h" refFor="ch" refForName="iconRect"/>
+              <dgm:constr type="l" for="ch" forName="iconRect" refType="h" refFor="ch" refForName="iconRect" fact="0.55"/>
+              <dgm:constr type="ctrY" for="ch" forName="iconRect" refType="ctrY" refFor="ch" refForName="bgRect"/>
+              <dgm:constr type="w" for="ch" forName="spaceRect" refType="l" refFor="ch" refForName="iconRect"/>
+              <dgm:constr type="h" for="ch" forName="spaceRect" refType="h"/>
+              <dgm:constr type="l" for="ch" forName="spaceRect" refType="r" refFor="ch" refForName="iconRect"/>
+              <dgm:constr type="t" for="ch" forName="spaceRect"/>
+              <dgm:constr type="h" for="ch" forName="parTx" refType="h"/>
+              <dgm:constr type="l" for="ch" forName="parTx" refType="r" refFor="ch" refForName="spaceRect"/>
+              <dgm:constr type="t" for="ch" forName="parTx"/>
+            </dgm:constrLst>
+          </dgm:else>
+        </dgm:choose>
+        <dgm:ruleLst>
+          <dgm:rule type="h" val="INF" fact="NaN" max="NaN"/>
+        </dgm:ruleLst>
+        <dgm:layoutNode name="bgRect" styleLbl="bgShp">
+          <dgm:alg type="sp"/>
+          <dgm:shape xmlns:r="http://schemas.openxmlformats.org/officeDocument/2006/relationships" type="roundRect" r:blip="">
+            <dgm:adjLst>
+              <dgm:adj idx="1" val="0.1"/>
+            </dgm:adjLst>
+          </dgm:shape>
+          <dgm:presOf/>
+          <dgm:constrLst/>
+          <dgm:ruleLst/>
+        </dgm:layoutNode>
+        <dgm:layoutNode name="iconRect" styleLbl="node1">
+          <dgm:alg type="sp"/>
+          <dgm:shape xmlns:r="http://schemas.openxmlformats.org/officeDocument/2006/relationships" type="rect" r:blip="" blipPhldr="1">
+            <dgm:adjLst/>
+          </dgm:shape>
+          <dgm:presOf/>
+          <dgm:constrLst/>
+          <dgm:ruleLst/>
+        </dgm:layoutNode>
+        <dgm:layoutNode name="spaceRect">
+          <dgm:alg type="sp"/>
+          <dgm:shape xmlns:r="http://schemas.openxmlformats.org/officeDocument/2006/relationships" r:blip="">
+            <dgm:adjLst/>
+          </dgm:shape>
+          <dgm:presOf/>
+          <dgm:constrLst/>
+          <dgm:ruleLst/>
+        </dgm:layoutNode>
+        <dgm:layoutNode name="parTx" styleLbl="revTx">
+          <dgm:varLst>
+            <dgm:chMax val="0"/>
+            <dgm:chPref val="0"/>
+          </dgm:varLst>
+          <dgm:alg type="tx">
+            <dgm:param type="txAnchorVert" val="mid"/>
+            <dgm:param type="parTxLTRAlign" val="l"/>
+            <dgm:param type="shpTxLTRAlignCh" val="l"/>
+            <dgm:param type="parTxRTLAlign" val="r"/>
+            <dgm:param type="shpTxRTLAlignCh" val="r"/>
+          </dgm:alg>
+          <dgm:shape xmlns:r="http://schemas.openxmlformats.org/officeDocument/2006/relationships" type="rect" r:blip="">
+            <dgm:adjLst/>
+          </dgm:shape>
+          <dgm:presOf axis="self" ptType="node"/>
+          <dgm:constrLst>
+            <dgm:constr type="lMarg" refType="h" fact="0.3"/>
+            <dgm:constr type="rMarg" refType="h" fact="0.3"/>
+            <dgm:constr type="tMarg" refType="h" fact="0.3"/>
+            <dgm:constr type="bMarg" refType="h" fact="0.3"/>
+          </dgm:constrLst>
+          <dgm:ruleLst>
+            <dgm:rule type="primFontSz" val="14" fact="NaN" max="NaN"/>
+            <dgm:rule type="h" val="INF" fact="NaN" max="NaN"/>
+          </dgm:ruleLst>
+        </dgm:layoutNode>
+        <dgm:choose name="Name12">
+          <dgm:if name="Name13" axis="ch" ptType="node" func="cnt" op="gte" val="1">
+            <dgm:layoutNode name="desTx" styleLbl="revTx">
+              <dgm:varLst/>
+              <dgm:alg type="tx">
+                <dgm:param type="txAnchorVertCh" val="mid"/>
+                <dgm:param type="parTxLTRAlign" val="l"/>
+                <dgm:param type="shpTxLTRAlignCh" val="l"/>
+                <dgm:param type="parTxRTLAlign" val="r"/>
+                <dgm:param type="shpTxRTLAlignCh" val="r"/>
+                <dgm:param type="stBulletLvl" val="0"/>
+              </dgm:alg>
+              <dgm:shape xmlns:r="http://schemas.openxmlformats.org/officeDocument/2006/relationships" type="rect" r:blip="">
+                <dgm:adjLst/>
+              </dgm:shape>
+              <dgm:presOf axis="des" ptType="node"/>
+              <dgm:constrLst>
+                <dgm:constr type="primFontSz" val="18"/>
+                <dgm:constr type="secFontSz" refType="primFontSz"/>
+                <dgm:constr type="lMarg" refType="h" fact="0.3"/>
+                <dgm:constr type="rMarg" refType="h" fact="0.3"/>
+                <dgm:constr type="tMarg" refType="h" fact="0.3"/>
+                <dgm:constr type="bMarg" refType="h" fact="0.3"/>
+              </dgm:constrLst>
+              <dgm:ruleLst>
+                <dgm:rule type="primFontSz" val="11" fact="NaN" max="NaN"/>
+              </dgm:ruleLst>
+            </dgm:layoutNode>
+          </dgm:if>
+          <dgm:else name="Name14"/>
+        </dgm:choose>
+      </dgm:layoutNode>
+      <dgm:forEach name="Name15" axis="followSib" ptType="sibTrans" cnt="1">
+        <dgm:layoutNode name="sibTrans">
+          <dgm:alg type="sp"/>
+          <dgm:shape xmlns:r="http://schemas.openxmlformats.org/officeDocument/2006/relationships" r:blip="">
+            <dgm:adjLst/>
+          </dgm:shape>
+          <dgm:presOf axis="self"/>
+          <dgm:constrLst/>
+          <dgm:ruleLst/>
+        </dgm:layoutNode>
+      </dgm:forEach>
+    </dgm:forEach>
+  </dgm:layoutNode>
+  <dgm:extLst>
+    <a:ext uri="{68A01E43-0DF5-4B5B-8FA6-DAF915123BFB}">
+      <dgm1612:lstStyle xmlns:dgm1612="http://schemas.microsoft.com/office/drawing/2016/12/diagram">
+        <a:lvl1pPr>
+          <a:lnSpc>
+            <a:spcPct val="100000"/>
+          </a:lnSpc>
+        </a:lvl1pPr>
+        <a:lvl2pPr>
+          <a:lnSpc>
+            <a:spcPct val="100000"/>
+          </a:lnSpc>
+        </a:lvl2pPr>
+      </dgm1612:lstStyle>
+    </a:ext>
+  </dgm:extLst>
+</dgm:layoutDef>
+</file>
+
+<file path=ppt/diagrams/layout2.xml><?xml version="1.0" encoding="utf-8"?>
 <dgm:layoutDef xmlns:dgm="http://schemas.openxmlformats.org/drawingml/2006/diagram" xmlns:a="http://schemas.openxmlformats.org/drawingml/2006/main" uniqueId="urn:microsoft.com/office/officeart/2016/7/layout/BasicLinearProcessNumbered">
   <dgm:title val="Basic Linear Process Numbered"/>
   <dgm:desc val="Used to show a progression; a timeline; sequential steps in a task, process, or workflow; or to emphasize movement or direction. Automatic numbers have been introduced to show the steps of the process which appears in a circle. Level 1 and Level 2 text appear in a rectangle."/>
@@ -3127,6 +5882,1040 @@
 </dgm:styleDef>
 </file>
 
+<file path=ppt/diagrams/quickStyle2.xml><?xml version="1.0" encoding="utf-8"?>
+<dgm:styleDef xmlns:dgm="http://schemas.openxmlformats.org/drawingml/2006/diagram" xmlns:a="http://schemas.openxmlformats.org/drawingml/2006/main" uniqueId="urn:microsoft.com/office/officeart/2005/8/quickstyle/simple1">
+  <dgm:title val=""/>
+  <dgm:desc val=""/>
+  <dgm:catLst>
+    <dgm:cat type="simple" pri="10100"/>
+  </dgm:catLst>
+  <dgm:scene3d>
+    <a:camera prst="orthographicFront"/>
+    <a:lightRig rig="threePt" dir="t"/>
+  </dgm:scene3d>
+  <dgm:styleLbl name="node0">
+    <dgm:scene3d>
+      <a:camera prst="orthographicFront"/>
+      <a:lightRig rig="threePt" dir="t"/>
+    </dgm:scene3d>
+    <dgm:sp3d/>
+    <dgm:txPr/>
+    <dgm:style>
+      <a:lnRef idx="2">
+        <a:scrgbClr r="0" g="0" b="0"/>
+      </a:lnRef>
+      <a:fillRef idx="1">
+        <a:scrgbClr r="0" g="0" b="0"/>
+      </a:fillRef>
+      <a:effectRef idx="0">
+        <a:scrgbClr r="0" g="0" b="0"/>
+      </a:effectRef>
+      <a:fontRef idx="minor">
+        <a:schemeClr val="lt1"/>
+      </a:fontRef>
+    </dgm:style>
+  </dgm:styleLbl>
+  <dgm:styleLbl name="lnNode1">
+    <dgm:scene3d>
+      <a:camera prst="orthographicFront"/>
+      <a:lightRig rig="threePt" dir="t"/>
+    </dgm:scene3d>
+    <dgm:sp3d/>
+    <dgm:txPr/>
+    <dgm:style>
+      <a:lnRef idx="2">
+        <a:scrgbClr r="0" g="0" b="0"/>
+      </a:lnRef>
+      <a:fillRef idx="1">
+        <a:scrgbClr r="0" g="0" b="0"/>
+      </a:fillRef>
+      <a:effectRef idx="0">
+        <a:scrgbClr r="0" g="0" b="0"/>
+      </a:effectRef>
+      <a:fontRef idx="minor">
+        <a:schemeClr val="lt1"/>
+      </a:fontRef>
+    </dgm:style>
+  </dgm:styleLbl>
+  <dgm:styleLbl name="vennNode1">
+    <dgm:scene3d>
+      <a:camera prst="orthographicFront"/>
+      <a:lightRig rig="threePt" dir="t"/>
+    </dgm:scene3d>
+    <dgm:sp3d/>
+    <dgm:txPr/>
+    <dgm:style>
+      <a:lnRef idx="2">
+        <a:scrgbClr r="0" g="0" b="0"/>
+      </a:lnRef>
+      <a:fillRef idx="1">
+        <a:scrgbClr r="0" g="0" b="0"/>
+      </a:fillRef>
+      <a:effectRef idx="0">
+        <a:scrgbClr r="0" g="0" b="0"/>
+      </a:effectRef>
+      <a:fontRef idx="minor">
+        <a:schemeClr val="tx1"/>
+      </a:fontRef>
+    </dgm:style>
+  </dgm:styleLbl>
+  <dgm:styleLbl name="alignNode1">
+    <dgm:scene3d>
+      <a:camera prst="orthographicFront"/>
+      <a:lightRig rig="threePt" dir="t"/>
+    </dgm:scene3d>
+    <dgm:sp3d/>
+    <dgm:txPr/>
+    <dgm:style>
+      <a:lnRef idx="2">
+        <a:scrgbClr r="0" g="0" b="0"/>
+      </a:lnRef>
+      <a:fillRef idx="1">
+        <a:scrgbClr r="0" g="0" b="0"/>
+      </a:fillRef>
+      <a:effectRef idx="0">
+        <a:scrgbClr r="0" g="0" b="0"/>
+      </a:effectRef>
+      <a:fontRef idx="minor">
+        <a:schemeClr val="lt1"/>
+      </a:fontRef>
+    </dgm:style>
+  </dgm:styleLbl>
+  <dgm:styleLbl name="node1">
+    <dgm:scene3d>
+      <a:camera prst="orthographicFront"/>
+      <a:lightRig rig="threePt" dir="t"/>
+    </dgm:scene3d>
+    <dgm:sp3d/>
+    <dgm:txPr/>
+    <dgm:style>
+      <a:lnRef idx="2">
+        <a:scrgbClr r="0" g="0" b="0"/>
+      </a:lnRef>
+      <a:fillRef idx="1">
+        <a:scrgbClr r="0" g="0" b="0"/>
+      </a:fillRef>
+      <a:effectRef idx="0">
+        <a:scrgbClr r="0" g="0" b="0"/>
+      </a:effectRef>
+      <a:fontRef idx="minor">
+        <a:schemeClr val="lt1"/>
+      </a:fontRef>
+    </dgm:style>
+  </dgm:styleLbl>
+  <dgm:styleLbl name="node2">
+    <dgm:scene3d>
+      <a:camera prst="orthographicFront"/>
+      <a:lightRig rig="threePt" dir="t"/>
+    </dgm:scene3d>
+    <dgm:sp3d/>
+    <dgm:txPr/>
+    <dgm:style>
+      <a:lnRef idx="2">
+        <a:scrgbClr r="0" g="0" b="0"/>
+      </a:lnRef>
+      <a:fillRef idx="1">
+        <a:scrgbClr r="0" g="0" b="0"/>
+      </a:fillRef>
+      <a:effectRef idx="0">
+        <a:scrgbClr r="0" g="0" b="0"/>
+      </a:effectRef>
+      <a:fontRef idx="minor">
+        <a:schemeClr val="lt1"/>
+      </a:fontRef>
+    </dgm:style>
+  </dgm:styleLbl>
+  <dgm:styleLbl name="node3">
+    <dgm:scene3d>
+      <a:camera prst="orthographicFront"/>
+      <a:lightRig rig="threePt" dir="t"/>
+    </dgm:scene3d>
+    <dgm:sp3d/>
+    <dgm:txPr/>
+    <dgm:style>
+      <a:lnRef idx="2">
+        <a:scrgbClr r="0" g="0" b="0"/>
+      </a:lnRef>
+      <a:fillRef idx="1">
+        <a:scrgbClr r="0" g="0" b="0"/>
+      </a:fillRef>
+      <a:effectRef idx="0">
+        <a:scrgbClr r="0" g="0" b="0"/>
+      </a:effectRef>
+      <a:fontRef idx="minor">
+        <a:schemeClr val="lt1"/>
+      </a:fontRef>
+    </dgm:style>
+  </dgm:styleLbl>
+  <dgm:styleLbl name="node4">
+    <dgm:scene3d>
+      <a:camera prst="orthographicFront"/>
+      <a:lightRig rig="threePt" dir="t"/>
+    </dgm:scene3d>
+    <dgm:sp3d/>
+    <dgm:txPr/>
+    <dgm:style>
+      <a:lnRef idx="2">
+        <a:scrgbClr r="0" g="0" b="0"/>
+      </a:lnRef>
+      <a:fillRef idx="1">
+        <a:scrgbClr r="0" g="0" b="0"/>
+      </a:fillRef>
+      <a:effectRef idx="0">
+        <a:scrgbClr r="0" g="0" b="0"/>
+      </a:effectRef>
+      <a:fontRef idx="minor">
+        <a:schemeClr val="lt1"/>
+      </a:fontRef>
+    </dgm:style>
+  </dgm:styleLbl>
+  <dgm:styleLbl name="fgImgPlace1">
+    <dgm:scene3d>
+      <a:camera prst="orthographicFront"/>
+      <a:lightRig rig="threePt" dir="t"/>
+    </dgm:scene3d>
+    <dgm:sp3d/>
+    <dgm:txPr/>
+    <dgm:style>
+      <a:lnRef idx="2">
+        <a:scrgbClr r="0" g="0" b="0"/>
+      </a:lnRef>
+      <a:fillRef idx="1">
+        <a:scrgbClr r="0" g="0" b="0"/>
+      </a:fillRef>
+      <a:effectRef idx="0">
+        <a:scrgbClr r="0" g="0" b="0"/>
+      </a:effectRef>
+      <a:fontRef idx="minor"/>
+    </dgm:style>
+  </dgm:styleLbl>
+  <dgm:styleLbl name="alignImgPlace1">
+    <dgm:scene3d>
+      <a:camera prst="orthographicFront"/>
+      <a:lightRig rig="threePt" dir="t"/>
+    </dgm:scene3d>
+    <dgm:sp3d/>
+    <dgm:txPr/>
+    <dgm:style>
+      <a:lnRef idx="2">
+        <a:scrgbClr r="0" g="0" b="0"/>
+      </a:lnRef>
+      <a:fillRef idx="1">
+        <a:scrgbClr r="0" g="0" b="0"/>
+      </a:fillRef>
+      <a:effectRef idx="0">
+        <a:scrgbClr r="0" g="0" b="0"/>
+      </a:effectRef>
+      <a:fontRef idx="minor"/>
+    </dgm:style>
+  </dgm:styleLbl>
+  <dgm:styleLbl name="bgImgPlace1">
+    <dgm:scene3d>
+      <a:camera prst="orthographicFront"/>
+      <a:lightRig rig="threePt" dir="t"/>
+    </dgm:scene3d>
+    <dgm:sp3d/>
+    <dgm:txPr/>
+    <dgm:style>
+      <a:lnRef idx="2">
+        <a:scrgbClr r="0" g="0" b="0"/>
+      </a:lnRef>
+      <a:fillRef idx="1">
+        <a:scrgbClr r="0" g="0" b="0"/>
+      </a:fillRef>
+      <a:effectRef idx="0">
+        <a:scrgbClr r="0" g="0" b="0"/>
+      </a:effectRef>
+      <a:fontRef idx="minor"/>
+    </dgm:style>
+  </dgm:styleLbl>
+  <dgm:styleLbl name="sibTrans2D1">
+    <dgm:scene3d>
+      <a:camera prst="orthographicFront"/>
+      <a:lightRig rig="threePt" dir="t"/>
+    </dgm:scene3d>
+    <dgm:sp3d/>
+    <dgm:txPr/>
+    <dgm:style>
+      <a:lnRef idx="0">
+        <a:scrgbClr r="0" g="0" b="0"/>
+      </a:lnRef>
+      <a:fillRef idx="1">
+        <a:scrgbClr r="0" g="0" b="0"/>
+      </a:fillRef>
+      <a:effectRef idx="0">
+        <a:scrgbClr r="0" g="0" b="0"/>
+      </a:effectRef>
+      <a:fontRef idx="minor">
+        <a:schemeClr val="lt1"/>
+      </a:fontRef>
+    </dgm:style>
+  </dgm:styleLbl>
+  <dgm:styleLbl name="fgSibTrans2D1">
+    <dgm:scene3d>
+      <a:camera prst="orthographicFront"/>
+      <a:lightRig rig="threePt" dir="t"/>
+    </dgm:scene3d>
+    <dgm:sp3d/>
+    <dgm:txPr/>
+    <dgm:style>
+      <a:lnRef idx="0">
+        <a:scrgbClr r="0" g="0" b="0"/>
+      </a:lnRef>
+      <a:fillRef idx="1">
+        <a:scrgbClr r="0" g="0" b="0"/>
+      </a:fillRef>
+      <a:effectRef idx="0">
+        <a:scrgbClr r="0" g="0" b="0"/>
+      </a:effectRef>
+      <a:fontRef idx="minor">
+        <a:schemeClr val="lt1"/>
+      </a:fontRef>
+    </dgm:style>
+  </dgm:styleLbl>
+  <dgm:styleLbl name="bgSibTrans2D1">
+    <dgm:scene3d>
+      <a:camera prst="orthographicFront"/>
+      <a:lightRig rig="threePt" dir="t"/>
+    </dgm:scene3d>
+    <dgm:sp3d/>
+    <dgm:txPr/>
+    <dgm:style>
+      <a:lnRef idx="0">
+        <a:scrgbClr r="0" g="0" b="0"/>
+      </a:lnRef>
+      <a:fillRef idx="1">
+        <a:scrgbClr r="0" g="0" b="0"/>
+      </a:fillRef>
+      <a:effectRef idx="0">
+        <a:scrgbClr r="0" g="0" b="0"/>
+      </a:effectRef>
+      <a:fontRef idx="minor">
+        <a:schemeClr val="lt1"/>
+      </a:fontRef>
+    </dgm:style>
+  </dgm:styleLbl>
+  <dgm:styleLbl name="sibTrans1D1">
+    <dgm:scene3d>
+      <a:camera prst="orthographicFront"/>
+      <a:lightRig rig="threePt" dir="t"/>
+    </dgm:scene3d>
+    <dgm:sp3d/>
+    <dgm:txPr/>
+    <dgm:style>
+      <a:lnRef idx="1">
+        <a:scrgbClr r="0" g="0" b="0"/>
+      </a:lnRef>
+      <a:fillRef idx="0">
+        <a:scrgbClr r="0" g="0" b="0"/>
+      </a:fillRef>
+      <a:effectRef idx="0">
+        <a:scrgbClr r="0" g="0" b="0"/>
+      </a:effectRef>
+      <a:fontRef idx="minor"/>
+    </dgm:style>
+  </dgm:styleLbl>
+  <dgm:styleLbl name="callout">
+    <dgm:scene3d>
+      <a:camera prst="orthographicFront"/>
+      <a:lightRig rig="threePt" dir="t"/>
+    </dgm:scene3d>
+    <dgm:sp3d/>
+    <dgm:txPr/>
+    <dgm:style>
+      <a:lnRef idx="2">
+        <a:scrgbClr r="0" g="0" b="0"/>
+      </a:lnRef>
+      <a:fillRef idx="1">
+        <a:scrgbClr r="0" g="0" b="0"/>
+      </a:fillRef>
+      <a:effectRef idx="0">
+        <a:scrgbClr r="0" g="0" b="0"/>
+      </a:effectRef>
+      <a:fontRef idx="minor"/>
+    </dgm:style>
+  </dgm:styleLbl>
+  <dgm:styleLbl name="asst0">
+    <dgm:scene3d>
+      <a:camera prst="orthographicFront"/>
+      <a:lightRig rig="threePt" dir="t"/>
+    </dgm:scene3d>
+    <dgm:sp3d/>
+    <dgm:txPr/>
+    <dgm:style>
+      <a:lnRef idx="2">
+        <a:scrgbClr r="0" g="0" b="0"/>
+      </a:lnRef>
+      <a:fillRef idx="1">
+        <a:scrgbClr r="0" g="0" b="0"/>
+      </a:fillRef>
+      <a:effectRef idx="0">
+        <a:scrgbClr r="0" g="0" b="0"/>
+      </a:effectRef>
+      <a:fontRef idx="minor">
+        <a:schemeClr val="lt1"/>
+      </a:fontRef>
+    </dgm:style>
+  </dgm:styleLbl>
+  <dgm:styleLbl name="asst1">
+    <dgm:scene3d>
+      <a:camera prst="orthographicFront"/>
+      <a:lightRig rig="threePt" dir="t"/>
+    </dgm:scene3d>
+    <dgm:sp3d/>
+    <dgm:txPr/>
+    <dgm:style>
+      <a:lnRef idx="2">
+        <a:scrgbClr r="0" g="0" b="0"/>
+      </a:lnRef>
+      <a:fillRef idx="1">
+        <a:scrgbClr r="0" g="0" b="0"/>
+      </a:fillRef>
+      <a:effectRef idx="0">
+        <a:scrgbClr r="0" g="0" b="0"/>
+      </a:effectRef>
+      <a:fontRef idx="minor">
+        <a:schemeClr val="lt1"/>
+      </a:fontRef>
+    </dgm:style>
+  </dgm:styleLbl>
+  <dgm:styleLbl name="asst2">
+    <dgm:scene3d>
+      <a:camera prst="orthographicFront"/>
+      <a:lightRig rig="threePt" dir="t"/>
+    </dgm:scene3d>
+    <dgm:sp3d/>
+    <dgm:txPr/>
+    <dgm:style>
+      <a:lnRef idx="2">
+        <a:scrgbClr r="0" g="0" b="0"/>
+      </a:lnRef>
+      <a:fillRef idx="1">
+        <a:scrgbClr r="0" g="0" b="0"/>
+      </a:fillRef>
+      <a:effectRef idx="0">
+        <a:scrgbClr r="0" g="0" b="0"/>
+      </a:effectRef>
+      <a:fontRef idx="minor">
+        <a:schemeClr val="lt1"/>
+      </a:fontRef>
+    </dgm:style>
+  </dgm:styleLbl>
+  <dgm:styleLbl name="asst3">
+    <dgm:scene3d>
+      <a:camera prst="orthographicFront"/>
+      <a:lightRig rig="threePt" dir="t"/>
+    </dgm:scene3d>
+    <dgm:sp3d/>
+    <dgm:txPr/>
+    <dgm:style>
+      <a:lnRef idx="2">
+        <a:scrgbClr r="0" g="0" b="0"/>
+      </a:lnRef>
+      <a:fillRef idx="1">
+        <a:scrgbClr r="0" g="0" b="0"/>
+      </a:fillRef>
+      <a:effectRef idx="0">
+        <a:scrgbClr r="0" g="0" b="0"/>
+      </a:effectRef>
+      <a:fontRef idx="minor">
+        <a:schemeClr val="lt1"/>
+      </a:fontRef>
+    </dgm:style>
+  </dgm:styleLbl>
+  <dgm:styleLbl name="asst4">
+    <dgm:scene3d>
+      <a:camera prst="orthographicFront"/>
+      <a:lightRig rig="threePt" dir="t"/>
+    </dgm:scene3d>
+    <dgm:sp3d/>
+    <dgm:txPr/>
+    <dgm:style>
+      <a:lnRef idx="2">
+        <a:scrgbClr r="0" g="0" b="0"/>
+      </a:lnRef>
+      <a:fillRef idx="1">
+        <a:scrgbClr r="0" g="0" b="0"/>
+      </a:fillRef>
+      <a:effectRef idx="0">
+        <a:scrgbClr r="0" g="0" b="0"/>
+      </a:effectRef>
+      <a:fontRef idx="minor">
+        <a:schemeClr val="lt1"/>
+      </a:fontRef>
+    </dgm:style>
+  </dgm:styleLbl>
+  <dgm:styleLbl name="parChTrans2D1">
+    <dgm:scene3d>
+      <a:camera prst="orthographicFront"/>
+      <a:lightRig rig="threePt" dir="t"/>
+    </dgm:scene3d>
+    <dgm:sp3d/>
+    <dgm:txPr/>
+    <dgm:style>
+      <a:lnRef idx="2">
+        <a:scrgbClr r="0" g="0" b="0"/>
+      </a:lnRef>
+      <a:fillRef idx="1">
+        <a:scrgbClr r="0" g="0" b="0"/>
+      </a:fillRef>
+      <a:effectRef idx="0">
+        <a:scrgbClr r="0" g="0" b="0"/>
+      </a:effectRef>
+      <a:fontRef idx="minor">
+        <a:schemeClr val="lt1"/>
+      </a:fontRef>
+    </dgm:style>
+  </dgm:styleLbl>
+  <dgm:styleLbl name="parChTrans2D2">
+    <dgm:scene3d>
+      <a:camera prst="orthographicFront"/>
+      <a:lightRig rig="threePt" dir="t"/>
+    </dgm:scene3d>
+    <dgm:sp3d/>
+    <dgm:txPr/>
+    <dgm:style>
+      <a:lnRef idx="2">
+        <a:scrgbClr r="0" g="0" b="0"/>
+      </a:lnRef>
+      <a:fillRef idx="1">
+        <a:scrgbClr r="0" g="0" b="0"/>
+      </a:fillRef>
+      <a:effectRef idx="0">
+        <a:scrgbClr r="0" g="0" b="0"/>
+      </a:effectRef>
+      <a:fontRef idx="minor">
+        <a:schemeClr val="lt1"/>
+      </a:fontRef>
+    </dgm:style>
+  </dgm:styleLbl>
+  <dgm:styleLbl name="parChTrans2D3">
+    <dgm:scene3d>
+      <a:camera prst="orthographicFront"/>
+      <a:lightRig rig="threePt" dir="t"/>
+    </dgm:scene3d>
+    <dgm:sp3d/>
+    <dgm:txPr/>
+    <dgm:style>
+      <a:lnRef idx="2">
+        <a:scrgbClr r="0" g="0" b="0"/>
+      </a:lnRef>
+      <a:fillRef idx="1">
+        <a:scrgbClr r="0" g="0" b="0"/>
+      </a:fillRef>
+      <a:effectRef idx="0">
+        <a:scrgbClr r="0" g="0" b="0"/>
+      </a:effectRef>
+      <a:fontRef idx="minor">
+        <a:schemeClr val="lt1"/>
+      </a:fontRef>
+    </dgm:style>
+  </dgm:styleLbl>
+  <dgm:styleLbl name="parChTrans2D4">
+    <dgm:scene3d>
+      <a:camera prst="orthographicFront"/>
+      <a:lightRig rig="threePt" dir="t"/>
+    </dgm:scene3d>
+    <dgm:sp3d/>
+    <dgm:txPr/>
+    <dgm:style>
+      <a:lnRef idx="2">
+        <a:scrgbClr r="0" g="0" b="0"/>
+      </a:lnRef>
+      <a:fillRef idx="1">
+        <a:scrgbClr r="0" g="0" b="0"/>
+      </a:fillRef>
+      <a:effectRef idx="0">
+        <a:scrgbClr r="0" g="0" b="0"/>
+      </a:effectRef>
+      <a:fontRef idx="minor">
+        <a:schemeClr val="lt1"/>
+      </a:fontRef>
+    </dgm:style>
+  </dgm:styleLbl>
+  <dgm:styleLbl name="parChTrans1D1">
+    <dgm:scene3d>
+      <a:camera prst="orthographicFront"/>
+      <a:lightRig rig="threePt" dir="t"/>
+    </dgm:scene3d>
+    <dgm:sp3d/>
+    <dgm:txPr/>
+    <dgm:style>
+      <a:lnRef idx="2">
+        <a:scrgbClr r="0" g="0" b="0"/>
+      </a:lnRef>
+      <a:fillRef idx="0">
+        <a:scrgbClr r="0" g="0" b="0"/>
+      </a:fillRef>
+      <a:effectRef idx="0">
+        <a:scrgbClr r="0" g="0" b="0"/>
+      </a:effectRef>
+      <a:fontRef idx="minor"/>
+    </dgm:style>
+  </dgm:styleLbl>
+  <dgm:styleLbl name="parChTrans1D2">
+    <dgm:scene3d>
+      <a:camera prst="orthographicFront"/>
+      <a:lightRig rig="threePt" dir="t"/>
+    </dgm:scene3d>
+    <dgm:sp3d/>
+    <dgm:txPr/>
+    <dgm:style>
+      <a:lnRef idx="2">
+        <a:scrgbClr r="0" g="0" b="0"/>
+      </a:lnRef>
+      <a:fillRef idx="0">
+        <a:scrgbClr r="0" g="0" b="0"/>
+      </a:fillRef>
+      <a:effectRef idx="0">
+        <a:scrgbClr r="0" g="0" b="0"/>
+      </a:effectRef>
+      <a:fontRef idx="minor"/>
+    </dgm:style>
+  </dgm:styleLbl>
+  <dgm:styleLbl name="parChTrans1D3">
+    <dgm:scene3d>
+      <a:camera prst="orthographicFront"/>
+      <a:lightRig rig="threePt" dir="t"/>
+    </dgm:scene3d>
+    <dgm:sp3d/>
+    <dgm:txPr/>
+    <dgm:style>
+      <a:lnRef idx="2">
+        <a:scrgbClr r="0" g="0" b="0"/>
+      </a:lnRef>
+      <a:fillRef idx="0">
+        <a:scrgbClr r="0" g="0" b="0"/>
+      </a:fillRef>
+      <a:effectRef idx="0">
+        <a:scrgbClr r="0" g="0" b="0"/>
+      </a:effectRef>
+      <a:fontRef idx="minor"/>
+    </dgm:style>
+  </dgm:styleLbl>
+  <dgm:styleLbl name="parChTrans1D4">
+    <dgm:scene3d>
+      <a:camera prst="orthographicFront"/>
+      <a:lightRig rig="threePt" dir="t"/>
+    </dgm:scene3d>
+    <dgm:sp3d/>
+    <dgm:txPr/>
+    <dgm:style>
+      <a:lnRef idx="2">
+        <a:scrgbClr r="0" g="0" b="0"/>
+      </a:lnRef>
+      <a:fillRef idx="0">
+        <a:scrgbClr r="0" g="0" b="0"/>
+      </a:fillRef>
+      <a:effectRef idx="0">
+        <a:scrgbClr r="0" g="0" b="0"/>
+      </a:effectRef>
+      <a:fontRef idx="minor"/>
+    </dgm:style>
+  </dgm:styleLbl>
+  <dgm:styleLbl name="fgAcc1">
+    <dgm:scene3d>
+      <a:camera prst="orthographicFront"/>
+      <a:lightRig rig="threePt" dir="t"/>
+    </dgm:scene3d>
+    <dgm:sp3d/>
+    <dgm:txPr/>
+    <dgm:style>
+      <a:lnRef idx="2">
+        <a:scrgbClr r="0" g="0" b="0"/>
+      </a:lnRef>
+      <a:fillRef idx="1">
+        <a:scrgbClr r="0" g="0" b="0"/>
+      </a:fillRef>
+      <a:effectRef idx="0">
+        <a:scrgbClr r="0" g="0" b="0"/>
+      </a:effectRef>
+      <a:fontRef idx="minor"/>
+    </dgm:style>
+  </dgm:styleLbl>
+  <dgm:styleLbl name="conFgAcc1">
+    <dgm:scene3d>
+      <a:camera prst="orthographicFront"/>
+      <a:lightRig rig="threePt" dir="t"/>
+    </dgm:scene3d>
+    <dgm:sp3d/>
+    <dgm:txPr/>
+    <dgm:style>
+      <a:lnRef idx="2">
+        <a:scrgbClr r="0" g="0" b="0"/>
+      </a:lnRef>
+      <a:fillRef idx="1">
+        <a:scrgbClr r="0" g="0" b="0"/>
+      </a:fillRef>
+      <a:effectRef idx="0">
+        <a:scrgbClr r="0" g="0" b="0"/>
+      </a:effectRef>
+      <a:fontRef idx="minor"/>
+    </dgm:style>
+  </dgm:styleLbl>
+  <dgm:styleLbl name="alignAcc1">
+    <dgm:scene3d>
+      <a:camera prst="orthographicFront"/>
+      <a:lightRig rig="threePt" dir="t"/>
+    </dgm:scene3d>
+    <dgm:sp3d/>
+    <dgm:txPr/>
+    <dgm:style>
+      <a:lnRef idx="2">
+        <a:scrgbClr r="0" g="0" b="0"/>
+      </a:lnRef>
+      <a:fillRef idx="1">
+        <a:scrgbClr r="0" g="0" b="0"/>
+      </a:fillRef>
+      <a:effectRef idx="0">
+        <a:scrgbClr r="0" g="0" b="0"/>
+      </a:effectRef>
+      <a:fontRef idx="minor"/>
+    </dgm:style>
+  </dgm:styleLbl>
+  <dgm:styleLbl name="trAlignAcc1">
+    <dgm:scene3d>
+      <a:camera prst="orthographicFront"/>
+      <a:lightRig rig="threePt" dir="t"/>
+    </dgm:scene3d>
+    <dgm:sp3d/>
+    <dgm:txPr/>
+    <dgm:style>
+      <a:lnRef idx="1">
+        <a:scrgbClr r="0" g="0" b="0"/>
+      </a:lnRef>
+      <a:fillRef idx="1">
+        <a:scrgbClr r="0" g="0" b="0"/>
+      </a:fillRef>
+      <a:effectRef idx="0">
+        <a:scrgbClr r="0" g="0" b="0"/>
+      </a:effectRef>
+      <a:fontRef idx="minor"/>
+    </dgm:style>
+  </dgm:styleLbl>
+  <dgm:styleLbl name="bgAcc1">
+    <dgm:scene3d>
+      <a:camera prst="orthographicFront"/>
+      <a:lightRig rig="threePt" dir="t"/>
+    </dgm:scene3d>
+    <dgm:sp3d/>
+    <dgm:txPr/>
+    <dgm:style>
+      <a:lnRef idx="2">
+        <a:scrgbClr r="0" g="0" b="0"/>
+      </a:lnRef>
+      <a:fillRef idx="1">
+        <a:scrgbClr r="0" g="0" b="0"/>
+      </a:fillRef>
+      <a:effectRef idx="0">
+        <a:scrgbClr r="0" g="0" b="0"/>
+      </a:effectRef>
+      <a:fontRef idx="minor"/>
+    </dgm:style>
+  </dgm:styleLbl>
+  <dgm:styleLbl name="solidFgAcc1">
+    <dgm:scene3d>
+      <a:camera prst="orthographicFront"/>
+      <a:lightRig rig="threePt" dir="t"/>
+    </dgm:scene3d>
+    <dgm:sp3d/>
+    <dgm:txPr/>
+    <dgm:style>
+      <a:lnRef idx="2">
+        <a:scrgbClr r="0" g="0" b="0"/>
+      </a:lnRef>
+      <a:fillRef idx="1">
+        <a:scrgbClr r="0" g="0" b="0"/>
+      </a:fillRef>
+      <a:effectRef idx="0">
+        <a:scrgbClr r="0" g="0" b="0"/>
+      </a:effectRef>
+      <a:fontRef idx="minor"/>
+    </dgm:style>
+  </dgm:styleLbl>
+  <dgm:styleLbl name="solidAlignAcc1">
+    <dgm:scene3d>
+      <a:camera prst="orthographicFront"/>
+      <a:lightRig rig="threePt" dir="t"/>
+    </dgm:scene3d>
+    <dgm:sp3d/>
+    <dgm:txPr/>
+    <dgm:style>
+      <a:lnRef idx="2">
+        <a:scrgbClr r="0" g="0" b="0"/>
+      </a:lnRef>
+      <a:fillRef idx="1">
+        <a:scrgbClr r="0" g="0" b="0"/>
+      </a:fillRef>
+      <a:effectRef idx="0">
+        <a:scrgbClr r="0" g="0" b="0"/>
+      </a:effectRef>
+      <a:fontRef idx="minor"/>
+    </dgm:style>
+  </dgm:styleLbl>
+  <dgm:styleLbl name="solidBgAcc1">
+    <dgm:scene3d>
+      <a:camera prst="orthographicFront"/>
+      <a:lightRig rig="threePt" dir="t"/>
+    </dgm:scene3d>
+    <dgm:sp3d/>
+    <dgm:txPr/>
+    <dgm:style>
+      <a:lnRef idx="2">
+        <a:scrgbClr r="0" g="0" b="0"/>
+      </a:lnRef>
+      <a:fillRef idx="1">
+        <a:scrgbClr r="0" g="0" b="0"/>
+      </a:fillRef>
+      <a:effectRef idx="0">
+        <a:scrgbClr r="0" g="0" b="0"/>
+      </a:effectRef>
+      <a:fontRef idx="minor"/>
+    </dgm:style>
+  </dgm:styleLbl>
+  <dgm:styleLbl name="fgAccFollowNode1">
+    <dgm:scene3d>
+      <a:camera prst="orthographicFront"/>
+      <a:lightRig rig="threePt" dir="t"/>
+    </dgm:scene3d>
+    <dgm:sp3d/>
+    <dgm:txPr/>
+    <dgm:style>
+      <a:lnRef idx="2">
+        <a:scrgbClr r="0" g="0" b="0"/>
+      </a:lnRef>
+      <a:fillRef idx="1">
+        <a:scrgbClr r="0" g="0" b="0"/>
+      </a:fillRef>
+      <a:effectRef idx="0">
+        <a:scrgbClr r="0" g="0" b="0"/>
+      </a:effectRef>
+      <a:fontRef idx="minor"/>
+    </dgm:style>
+  </dgm:styleLbl>
+  <dgm:styleLbl name="alignAccFollowNode1">
+    <dgm:scene3d>
+      <a:camera prst="orthographicFront"/>
+      <a:lightRig rig="threePt" dir="t"/>
+    </dgm:scene3d>
+    <dgm:sp3d/>
+    <dgm:txPr/>
+    <dgm:style>
+      <a:lnRef idx="2">
+        <a:scrgbClr r="0" g="0" b="0"/>
+      </a:lnRef>
+      <a:fillRef idx="1">
+        <a:scrgbClr r="0" g="0" b="0"/>
+      </a:fillRef>
+      <a:effectRef idx="0">
+        <a:scrgbClr r="0" g="0" b="0"/>
+      </a:effectRef>
+      <a:fontRef idx="minor"/>
+    </dgm:style>
+  </dgm:styleLbl>
+  <dgm:styleLbl name="bgAccFollowNode1">
+    <dgm:scene3d>
+      <a:camera prst="orthographicFront"/>
+      <a:lightRig rig="threePt" dir="t"/>
+    </dgm:scene3d>
+    <dgm:sp3d/>
+    <dgm:txPr/>
+    <dgm:style>
+      <a:lnRef idx="2">
+        <a:scrgbClr r="0" g="0" b="0"/>
+      </a:lnRef>
+      <a:fillRef idx="1">
+        <a:scrgbClr r="0" g="0" b="0"/>
+      </a:fillRef>
+      <a:effectRef idx="0">
+        <a:scrgbClr r="0" g="0" b="0"/>
+      </a:effectRef>
+      <a:fontRef idx="minor"/>
+    </dgm:style>
+  </dgm:styleLbl>
+  <dgm:styleLbl name="fgAcc0">
+    <dgm:scene3d>
+      <a:camera prst="orthographicFront"/>
+      <a:lightRig rig="threePt" dir="t"/>
+    </dgm:scene3d>
+    <dgm:sp3d/>
+    <dgm:txPr/>
+    <dgm:style>
+      <a:lnRef idx="2">
+        <a:scrgbClr r="0" g="0" b="0"/>
+      </a:lnRef>
+      <a:fillRef idx="1">
+        <a:scrgbClr r="0" g="0" b="0"/>
+      </a:fillRef>
+      <a:effectRef idx="0">
+        <a:scrgbClr r="0" g="0" b="0"/>
+      </a:effectRef>
+      <a:fontRef idx="minor"/>
+    </dgm:style>
+  </dgm:styleLbl>
+  <dgm:styleLbl name="fgAcc2">
+    <dgm:scene3d>
+      <a:camera prst="orthographicFront"/>
+      <a:lightRig rig="threePt" dir="t"/>
+    </dgm:scene3d>
+    <dgm:sp3d/>
+    <dgm:txPr/>
+    <dgm:style>
+      <a:lnRef idx="2">
+        <a:scrgbClr r="0" g="0" b="0"/>
+      </a:lnRef>
+      <a:fillRef idx="1">
+        <a:scrgbClr r="0" g="0" b="0"/>
+      </a:fillRef>
+      <a:effectRef idx="0">
+        <a:scrgbClr r="0" g="0" b="0"/>
+      </a:effectRef>
+      <a:fontRef idx="minor"/>
+    </dgm:style>
+  </dgm:styleLbl>
+  <dgm:styleLbl name="fgAcc3">
+    <dgm:scene3d>
+      <a:camera prst="orthographicFront"/>
+      <a:lightRig rig="threePt" dir="t"/>
+    </dgm:scene3d>
+    <dgm:sp3d/>
+    <dgm:txPr/>
+    <dgm:style>
+      <a:lnRef idx="2">
+        <a:scrgbClr r="0" g="0" b="0"/>
+      </a:lnRef>
+      <a:fillRef idx="1">
+        <a:scrgbClr r="0" g="0" b="0"/>
+      </a:fillRef>
+      <a:effectRef idx="0">
+        <a:scrgbClr r="0" g="0" b="0"/>
+      </a:effectRef>
+      <a:fontRef idx="minor"/>
+    </dgm:style>
+  </dgm:styleLbl>
+  <dgm:styleLbl name="fgAcc4">
+    <dgm:scene3d>
+      <a:camera prst="orthographicFront"/>
+      <a:lightRig rig="threePt" dir="t"/>
+    </dgm:scene3d>
+    <dgm:sp3d/>
+    <dgm:txPr/>
+    <dgm:style>
+      <a:lnRef idx="2">
+        <a:scrgbClr r="0" g="0" b="0"/>
+      </a:lnRef>
+      <a:fillRef idx="1">
+        <a:scrgbClr r="0" g="0" b="0"/>
+      </a:fillRef>
+      <a:effectRef idx="0">
+        <a:scrgbClr r="0" g="0" b="0"/>
+      </a:effectRef>
+      <a:fontRef idx="minor"/>
+    </dgm:style>
+  </dgm:styleLbl>
+  <dgm:styleLbl name="bgShp">
+    <dgm:scene3d>
+      <a:camera prst="orthographicFront"/>
+      <a:lightRig rig="threePt" dir="t"/>
+    </dgm:scene3d>
+    <dgm:sp3d/>
+    <dgm:txPr/>
+    <dgm:style>
+      <a:lnRef idx="0">
+        <a:scrgbClr r="0" g="0" b="0"/>
+      </a:lnRef>
+      <a:fillRef idx="1">
+        <a:scrgbClr r="0" g="0" b="0"/>
+      </a:fillRef>
+      <a:effectRef idx="0">
+        <a:scrgbClr r="0" g="0" b="0"/>
+      </a:effectRef>
+      <a:fontRef idx="minor"/>
+    </dgm:style>
+  </dgm:styleLbl>
+  <dgm:styleLbl name="dkBgShp">
+    <dgm:scene3d>
+      <a:camera prst="orthographicFront"/>
+      <a:lightRig rig="threePt" dir="t"/>
+    </dgm:scene3d>
+    <dgm:sp3d/>
+    <dgm:txPr/>
+    <dgm:style>
+      <a:lnRef idx="0">
+        <a:scrgbClr r="0" g="0" b="0"/>
+      </a:lnRef>
+      <a:fillRef idx="1">
+        <a:scrgbClr r="0" g="0" b="0"/>
+      </a:fillRef>
+      <a:effectRef idx="0">
+        <a:scrgbClr r="0" g="0" b="0"/>
+      </a:effectRef>
+      <a:fontRef idx="minor"/>
+    </dgm:style>
+  </dgm:styleLbl>
+  <dgm:styleLbl name="trBgShp">
+    <dgm:scene3d>
+      <a:camera prst="orthographicFront"/>
+      <a:lightRig rig="threePt" dir="t"/>
+    </dgm:scene3d>
+    <dgm:sp3d/>
+    <dgm:txPr/>
+    <dgm:style>
+      <a:lnRef idx="0">
+        <a:scrgbClr r="0" g="0" b="0"/>
+      </a:lnRef>
+      <a:fillRef idx="1">
+        <a:scrgbClr r="0" g="0" b="0"/>
+      </a:fillRef>
+      <a:effectRef idx="0">
+        <a:scrgbClr r="0" g="0" b="0"/>
+      </a:effectRef>
+      <a:fontRef idx="minor"/>
+    </dgm:style>
+  </dgm:styleLbl>
+  <dgm:styleLbl name="fgShp">
+    <dgm:scene3d>
+      <a:camera prst="orthographicFront"/>
+      <a:lightRig rig="threePt" dir="t"/>
+    </dgm:scene3d>
+    <dgm:sp3d/>
+    <dgm:txPr/>
+    <dgm:style>
+      <a:lnRef idx="2">
+        <a:scrgbClr r="0" g="0" b="0"/>
+      </a:lnRef>
+      <a:fillRef idx="1">
+        <a:scrgbClr r="0" g="0" b="0"/>
+      </a:fillRef>
+      <a:effectRef idx="0">
+        <a:scrgbClr r="0" g="0" b="0"/>
+      </a:effectRef>
+      <a:fontRef idx="minor"/>
+    </dgm:style>
+  </dgm:styleLbl>
+  <dgm:styleLbl name="revTx">
+    <dgm:scene3d>
+      <a:camera prst="orthographicFront"/>
+      <a:lightRig rig="threePt" dir="t"/>
+    </dgm:scene3d>
+    <dgm:sp3d/>
+    <dgm:txPr/>
+    <dgm:style>
+      <a:lnRef idx="0">
+        <a:scrgbClr r="0" g="0" b="0"/>
+      </a:lnRef>
+      <a:fillRef idx="0">
+        <a:scrgbClr r="0" g="0" b="0"/>
+      </a:fillRef>
+      <a:effectRef idx="0">
+        <a:scrgbClr r="0" g="0" b="0"/>
+      </a:effectRef>
+      <a:fontRef idx="minor"/>
+    </dgm:style>
+  </dgm:styleLbl>
+</dgm:styleDef>
+</file>
+
 <file path=ppt/notesMasters/notesMaster1.xml><?xml version="1.0" encoding="utf-8"?>
 <p:notesMaster xmlns:a="http://schemas.openxmlformats.org/drawingml/2006/main" xmlns:r="http://schemas.openxmlformats.org/officeDocument/2006/relationships" xmlns:p="http://schemas.openxmlformats.org/presentationml/2006/main">
   <p:cSld>
@@ -3209,7 +6998,7 @@
           <a:p>
             <a:fld id="{28EF27FA-D92E-4C57-9439-841474EE9BF9}" type="datetimeFigureOut">
               <a:rPr lang="en-GB" smtClean="0"/>
-              <a:t>23/10/2025</a:t>
+              <a:t>24/10/2025</a:t>
             </a:fld>
             <a:endParaRPr lang="en-GB"/>
           </a:p>
@@ -3810,7 +7599,7 @@
           <a:p>
             <a:fld id="{5BCAD085-E8A6-8845-BD4E-CB4CCA059FC4}" type="datetimeFigureOut">
               <a:rPr lang="en-US" smtClean="0"/>
-              <a:t>10/23/2025</a:t>
+              <a:t>10/24/25</a:t>
             </a:fld>
             <a:endParaRPr lang="en-US"/>
           </a:p>
@@ -4097,7 +7886,7 @@
           <a:p>
             <a:fld id="{5BCAD085-E8A6-8845-BD4E-CB4CCA059FC4}" type="datetimeFigureOut">
               <a:rPr lang="en-US" smtClean="0"/>
-              <a:t>10/23/2025</a:t>
+              <a:t>10/24/25</a:t>
             </a:fld>
             <a:endParaRPr lang="en-US"/>
           </a:p>
@@ -4289,7 +8078,7 @@
           <a:p>
             <a:fld id="{5BCAD085-E8A6-8845-BD4E-CB4CCA059FC4}" type="datetimeFigureOut">
               <a:rPr lang="en-US" smtClean="0"/>
-              <a:t>10/23/2025</a:t>
+              <a:t>10/24/25</a:t>
             </a:fld>
             <a:endParaRPr lang="en-US"/>
           </a:p>
@@ -4550,7 +8339,7 @@
           <a:p>
             <a:fld id="{5BCAD085-E8A6-8845-BD4E-CB4CCA059FC4}" type="datetimeFigureOut">
               <a:rPr lang="en-US" smtClean="0"/>
-              <a:t>10/23/2025</a:t>
+              <a:t>10/24/25</a:t>
             </a:fld>
             <a:endParaRPr lang="en-US"/>
           </a:p>
@@ -4974,7 +8763,7 @@
           <a:p>
             <a:fld id="{5BCAD085-E8A6-8845-BD4E-CB4CCA059FC4}" type="datetimeFigureOut">
               <a:rPr lang="en-US" smtClean="0"/>
-              <a:t>10/23/2025</a:t>
+              <a:t>10/24/25</a:t>
             </a:fld>
             <a:endParaRPr lang="en-US"/>
           </a:p>
@@ -5520,7 +9309,7 @@
           <a:p>
             <a:fld id="{5BCAD085-E8A6-8845-BD4E-CB4CCA059FC4}" type="datetimeFigureOut">
               <a:rPr lang="en-US" smtClean="0"/>
-              <a:t>10/23/2025</a:t>
+              <a:t>10/24/25</a:t>
             </a:fld>
             <a:endParaRPr lang="en-US"/>
           </a:p>
@@ -6360,7 +10149,7 @@
           <a:p>
             <a:fld id="{5BCAD085-E8A6-8845-BD4E-CB4CCA059FC4}" type="datetimeFigureOut">
               <a:rPr lang="en-US" smtClean="0"/>
-              <a:t>10/23/2025</a:t>
+              <a:t>10/24/25</a:t>
             </a:fld>
             <a:endParaRPr lang="en-US"/>
           </a:p>
@@ -6530,7 +10319,7 @@
           <a:p>
             <a:fld id="{5BCAD085-E8A6-8845-BD4E-CB4CCA059FC4}" type="datetimeFigureOut">
               <a:rPr lang="en-US" smtClean="0"/>
-              <a:t>10/23/2025</a:t>
+              <a:t>10/24/25</a:t>
             </a:fld>
             <a:endParaRPr lang="en-US"/>
           </a:p>
@@ -6714,7 +10503,7 @@
           <a:p>
             <a:fld id="{5BCAD085-E8A6-8845-BD4E-CB4CCA059FC4}" type="datetimeFigureOut">
               <a:rPr lang="en-US" smtClean="0"/>
-              <a:t>10/23/2025</a:t>
+              <a:t>10/24/25</a:t>
             </a:fld>
             <a:endParaRPr lang="en-US"/>
           </a:p>
@@ -6884,7 +10673,7 @@
           <a:p>
             <a:fld id="{5BCAD085-E8A6-8845-BD4E-CB4CCA059FC4}" type="datetimeFigureOut">
               <a:rPr lang="en-US" smtClean="0"/>
-              <a:t>10/23/2025</a:t>
+              <a:t>10/24/25</a:t>
             </a:fld>
             <a:endParaRPr lang="en-US"/>
           </a:p>
@@ -7132,7 +10921,7 @@
           <a:p>
             <a:fld id="{5BCAD085-E8A6-8845-BD4E-CB4CCA059FC4}" type="datetimeFigureOut">
               <a:rPr lang="en-US" smtClean="0"/>
-              <a:t>10/23/2025</a:t>
+              <a:t>10/24/25</a:t>
             </a:fld>
             <a:endParaRPr lang="en-US"/>
           </a:p>
@@ -7369,7 +11158,7 @@
           <a:p>
             <a:fld id="{5BCAD085-E8A6-8845-BD4E-CB4CCA059FC4}" type="datetimeFigureOut">
               <a:rPr lang="en-US" smtClean="0"/>
-              <a:t>10/23/2025</a:t>
+              <a:t>10/24/25</a:t>
             </a:fld>
             <a:endParaRPr lang="en-US"/>
           </a:p>
@@ -7742,7 +11531,7 @@
           <a:p>
             <a:fld id="{5BCAD085-E8A6-8845-BD4E-CB4CCA059FC4}" type="datetimeFigureOut">
               <a:rPr lang="en-US" smtClean="0"/>
-              <a:t>10/23/2025</a:t>
+              <a:t>10/24/25</a:t>
             </a:fld>
             <a:endParaRPr lang="en-US"/>
           </a:p>
@@ -7860,7 +11649,7 @@
           <a:p>
             <a:fld id="{5BCAD085-E8A6-8845-BD4E-CB4CCA059FC4}" type="datetimeFigureOut">
               <a:rPr lang="en-US" smtClean="0"/>
-              <a:t>10/23/2025</a:t>
+              <a:t>10/24/25</a:t>
             </a:fld>
             <a:endParaRPr lang="en-US"/>
           </a:p>
@@ -7955,7 +11744,7 @@
           <a:p>
             <a:fld id="{5BCAD085-E8A6-8845-BD4E-CB4CCA059FC4}" type="datetimeFigureOut">
               <a:rPr lang="en-US" smtClean="0"/>
-              <a:t>10/23/2025</a:t>
+              <a:t>10/24/25</a:t>
             </a:fld>
             <a:endParaRPr lang="en-US"/>
           </a:p>
@@ -8206,7 +11995,7 @@
           <a:p>
             <a:fld id="{5BCAD085-E8A6-8845-BD4E-CB4CCA059FC4}" type="datetimeFigureOut">
               <a:rPr lang="en-US" smtClean="0"/>
-              <a:t>10/23/2025</a:t>
+              <a:t>10/24/25</a:t>
             </a:fld>
             <a:endParaRPr lang="en-US"/>
           </a:p>
@@ -8493,7 +12282,7 @@
           <a:p>
             <a:fld id="{5BCAD085-E8A6-8845-BD4E-CB4CCA059FC4}" type="datetimeFigureOut">
               <a:rPr lang="en-US" smtClean="0"/>
-              <a:t>10/23/2025</a:t>
+              <a:t>10/24/25</a:t>
             </a:fld>
             <a:endParaRPr lang="en-US"/>
           </a:p>
@@ -8706,7 +12495,7 @@
           <a:p>
             <a:fld id="{5BCAD085-E8A6-8845-BD4E-CB4CCA059FC4}" type="datetimeFigureOut">
               <a:rPr lang="en-US" smtClean="0"/>
-              <a:t>10/23/2025</a:t>
+              <a:t>10/24/25</a:t>
             </a:fld>
             <a:endParaRPr lang="en-US"/>
           </a:p>
@@ -10262,6 +14051,104 @@
         <p:cNvPr id="1" name="">
           <a:extLst>
             <a:ext uri="{FF2B5EF4-FFF2-40B4-BE49-F238E27FC236}">
+              <a16:creationId xmlns:a16="http://schemas.microsoft.com/office/drawing/2014/main" id="{443D22F4-0C79-E41E-D668-0B7B83B4D647}"/>
+            </a:ext>
+          </a:extLst>
+        </p:cNvPr>
+        <p:cNvGrpSpPr/>
+        <p:nvPr/>
+      </p:nvGrpSpPr>
+      <p:grpSpPr>
+        <a:xfrm>
+          <a:off x="0" y="0"/>
+          <a:ext cx="0" cy="0"/>
+          <a:chOff x="0" y="0"/>
+          <a:chExt cx="0" cy="0"/>
+        </a:xfrm>
+      </p:grpSpPr>
+      <p:sp>
+        <p:nvSpPr>
+          <p:cNvPr id="2" name="Title 1">
+            <a:extLst>
+              <a:ext uri="{FF2B5EF4-FFF2-40B4-BE49-F238E27FC236}">
+                <a16:creationId xmlns:a16="http://schemas.microsoft.com/office/drawing/2014/main" id="{50EE4C27-41AD-7363-486E-FE60A8511A19}"/>
+              </a:ext>
+            </a:extLst>
+          </p:cNvPr>
+          <p:cNvSpPr>
+            <a:spLocks noGrp="1"/>
+          </p:cNvSpPr>
+          <p:nvPr>
+            <p:ph type="title"/>
+          </p:nvPr>
+        </p:nvSpPr>
+        <p:spPr>
+          <a:xfrm>
+            <a:off x="564356" y="609599"/>
+            <a:ext cx="3017044" cy="5647267"/>
+          </a:xfrm>
+        </p:spPr>
+        <p:txBody>
+          <a:bodyPr>
+            <a:normAutofit/>
+          </a:bodyPr>
+          <a:lstStyle/>
+          <a:p>
+            <a:r>
+              <a:rPr lang="en-US" sz="2600" dirty="0"/>
+              <a:t>Future Work</a:t>
+            </a:r>
+            <a:endParaRPr lang="en-GB" sz="2600" dirty="0"/>
+          </a:p>
+        </p:txBody>
+      </p:sp>
+      <p:graphicFrame>
+        <p:nvGraphicFramePr>
+          <p:cNvPr id="5" name="Content Placeholder 2">
+            <a:extLst>
+              <a:ext uri="{FF2B5EF4-FFF2-40B4-BE49-F238E27FC236}">
+                <a16:creationId xmlns:a16="http://schemas.microsoft.com/office/drawing/2014/main" id="{5812E4B0-D1D2-C7D1-4C7E-65995E19E758}"/>
+              </a:ext>
+            </a:extLst>
+          </p:cNvPr>
+          <p:cNvGraphicFramePr>
+            <a:graphicFrameLocks noGrp="1"/>
+          </p:cNvGraphicFramePr>
+          <p:nvPr>
+            <p:ph idx="1"/>
+          </p:nvPr>
+        </p:nvGraphicFramePr>
+        <p:xfrm>
+          <a:off x="3845718" y="1114425"/>
+          <a:ext cx="4443413" cy="4629150"/>
+        </p:xfrm>
+        <a:graphic>
+          <a:graphicData uri="http://schemas.openxmlformats.org/drawingml/2006/diagram">
+            <dgm:relIds xmlns:dgm="http://schemas.openxmlformats.org/drawingml/2006/diagram" xmlns:r="http://schemas.openxmlformats.org/officeDocument/2006/relationships" r:dm="rId2" r:lo="rId3" r:qs="rId4" r:cs="rId5"/>
+          </a:graphicData>
+        </a:graphic>
+      </p:graphicFrame>
+    </p:spTree>
+    <p:extLst>
+      <p:ext uri="{BB962C8B-B14F-4D97-AF65-F5344CB8AC3E}">
+        <p14:creationId xmlns:p14="http://schemas.microsoft.com/office/powerpoint/2010/main" val="4066065020"/>
+      </p:ext>
+    </p:extLst>
+  </p:cSld>
+  <p:clrMapOvr>
+    <a:masterClrMapping/>
+  </p:clrMapOvr>
+</p:sld>
+</file>
+
+<file path=ppt/slides/slide13.xml><?xml version="1.0" encoding="utf-8"?>
+<p:sld xmlns:a="http://schemas.openxmlformats.org/drawingml/2006/main" xmlns:r="http://schemas.openxmlformats.org/officeDocument/2006/relationships" xmlns:p="http://schemas.openxmlformats.org/presentationml/2006/main">
+  <p:cSld>
+    <p:spTree>
+      <p:nvGrpSpPr>
+        <p:cNvPr id="1" name="">
+          <a:extLst>
+            <a:ext uri="{FF2B5EF4-FFF2-40B4-BE49-F238E27FC236}">
               <a16:creationId xmlns:a16="http://schemas.microsoft.com/office/drawing/2014/main" id="{CAD73D3A-9C74-9FC1-BD4A-C2F816C65E86}"/>
             </a:ext>
           </a:extLst>
@@ -10572,134 +14459,6 @@
       </p:bldGraphic>
     </p:bldLst>
   </p:timing>
-</p:sld>
-</file>
-
-<file path=ppt/slides/slide13.xml><?xml version="1.0" encoding="utf-8"?>
-<p:sld xmlns:a="http://schemas.openxmlformats.org/drawingml/2006/main" xmlns:r="http://schemas.openxmlformats.org/officeDocument/2006/relationships" xmlns:p="http://schemas.openxmlformats.org/presentationml/2006/main">
-  <p:cSld>
-    <p:spTree>
-      <p:nvGrpSpPr>
-        <p:cNvPr id="1" name="">
-          <a:extLst>
-            <a:ext uri="{FF2B5EF4-FFF2-40B4-BE49-F238E27FC236}">
-              <a16:creationId xmlns:a16="http://schemas.microsoft.com/office/drawing/2014/main" id="{443D22F4-0C79-E41E-D668-0B7B83B4D647}"/>
-            </a:ext>
-          </a:extLst>
-        </p:cNvPr>
-        <p:cNvGrpSpPr/>
-        <p:nvPr/>
-      </p:nvGrpSpPr>
-      <p:grpSpPr>
-        <a:xfrm>
-          <a:off x="0" y="0"/>
-          <a:ext cx="0" cy="0"/>
-          <a:chOff x="0" y="0"/>
-          <a:chExt cx="0" cy="0"/>
-        </a:xfrm>
-      </p:grpSpPr>
-      <p:sp>
-        <p:nvSpPr>
-          <p:cNvPr id="2" name="Title 1">
-            <a:extLst>
-              <a:ext uri="{FF2B5EF4-FFF2-40B4-BE49-F238E27FC236}">
-                <a16:creationId xmlns:a16="http://schemas.microsoft.com/office/drawing/2014/main" id="{50EE4C27-41AD-7363-486E-FE60A8511A19}"/>
-              </a:ext>
-            </a:extLst>
-          </p:cNvPr>
-          <p:cNvSpPr>
-            <a:spLocks noGrp="1"/>
-          </p:cNvSpPr>
-          <p:nvPr>
-            <p:ph type="title"/>
-          </p:nvPr>
-        </p:nvSpPr>
-        <p:spPr/>
-        <p:txBody>
-          <a:bodyPr/>
-          <a:lstStyle/>
-          <a:p>
-            <a:r>
-              <a:rPr lang="en-US" dirty="0"/>
-              <a:t>Conclusion and Expected Outcomes</a:t>
-            </a:r>
-            <a:endParaRPr lang="en-GB" dirty="0"/>
-          </a:p>
-        </p:txBody>
-      </p:sp>
-      <p:sp>
-        <p:nvSpPr>
-          <p:cNvPr id="3" name="Content Placeholder 2">
-            <a:extLst>
-              <a:ext uri="{FF2B5EF4-FFF2-40B4-BE49-F238E27FC236}">
-                <a16:creationId xmlns:a16="http://schemas.microsoft.com/office/drawing/2014/main" id="{642FFF87-2BD4-3BBF-EFE8-53296E9F2C33}"/>
-              </a:ext>
-            </a:extLst>
-          </p:cNvPr>
-          <p:cNvSpPr>
-            <a:spLocks noGrp="1"/>
-          </p:cNvSpPr>
-          <p:nvPr>
-            <p:ph idx="1"/>
-          </p:nvPr>
-        </p:nvSpPr>
-        <p:spPr/>
-        <p:txBody>
-          <a:bodyPr>
-            <a:normAutofit lnSpcReduction="10000"/>
-          </a:bodyPr>
-          <a:lstStyle/>
-          <a:p>
-            <a:r>
-              <a:rPr lang="en-US" dirty="0"/>
-              <a:t>Development will continue as features arise</a:t>
-            </a:r>
-          </a:p>
-          <a:p>
-            <a:r>
-              <a:rPr lang="en-GB" dirty="0"/>
-              <a:t>UI will continue to improve</a:t>
-            </a:r>
-          </a:p>
-          <a:p>
-            <a:r>
-              <a:rPr lang="en-GB" dirty="0"/>
-              <a:t>System backend can be improved to reduce latency</a:t>
-            </a:r>
-          </a:p>
-          <a:p>
-            <a:r>
-              <a:rPr lang="en-GB" dirty="0"/>
-              <a:t>Cornell method to be integrated</a:t>
-            </a:r>
-          </a:p>
-          <a:p>
-            <a:r>
-              <a:rPr lang="en-GB" dirty="0"/>
-              <a:t>Evaluation cycles</a:t>
-            </a:r>
-          </a:p>
-          <a:p>
-            <a:endParaRPr lang="en-GB" dirty="0"/>
-          </a:p>
-          <a:p>
-            <a:r>
-              <a:rPr lang="en-GB" dirty="0"/>
-              <a:t>AI Study Buddy should serve as a centralised service, outshining competition</a:t>
-            </a:r>
-          </a:p>
-        </p:txBody>
-      </p:sp>
-    </p:spTree>
-    <p:extLst>
-      <p:ext uri="{BB962C8B-B14F-4D97-AF65-F5344CB8AC3E}">
-        <p14:creationId xmlns:p14="http://schemas.microsoft.com/office/powerpoint/2010/main" val="4066065020"/>
-      </p:ext>
-    </p:extLst>
-  </p:cSld>
-  <p:clrMapOvr>
-    <a:masterClrMapping/>
-  </p:clrMapOvr>
 </p:sld>
 </file>
 
